--- a/ppts/Topic 8 Generalized Linear Models.pptx
+++ b/ppts/Topic 8 Generalized Linear Models.pptx
@@ -22,7 +22,6 @@
     <p:sldId id="269" r:id="rId16"/>
     <p:sldId id="270" r:id="rId17"/>
     <p:sldId id="271" r:id="rId18"/>
-    <p:sldId id="282" r:id="rId19"/>
   </p:sldIdLst>
   <p:sldSz cx="9144000" cy="6858000" type="screen4x3"/>
   <p:notesSz cx="6858000" cy="9144000"/>
@@ -352,7 +351,7 @@
           <a:p>
             <a:fld id="{F3A5C36C-4AD1-4368-83A4-9559EE6EF9BD}" type="datetimeFigureOut">
               <a:rPr lang="en-CA" smtClean="0"/>
-              <a:t>16/02/2018</a:t>
+              <a:t>19/02/2018</a:t>
             </a:fld>
             <a:endParaRPr lang="en-CA"/>
           </a:p>
@@ -536,7 +535,7 @@
           <a:p>
             <a:fld id="{F3A5C36C-4AD1-4368-83A4-9559EE6EF9BD}" type="datetimeFigureOut">
               <a:rPr lang="en-CA" smtClean="0"/>
-              <a:t>16/02/2018</a:t>
+              <a:t>19/02/2018</a:t>
             </a:fld>
             <a:endParaRPr lang="en-CA"/>
           </a:p>
@@ -726,7 +725,7 @@
           <a:p>
             <a:fld id="{F3A5C36C-4AD1-4368-83A4-9559EE6EF9BD}" type="datetimeFigureOut">
               <a:rPr lang="en-CA" smtClean="0"/>
-              <a:t>16/02/2018</a:t>
+              <a:t>19/02/2018</a:t>
             </a:fld>
             <a:endParaRPr lang="en-CA"/>
           </a:p>
@@ -906,7 +905,7 @@
           <a:p>
             <a:fld id="{F3A5C36C-4AD1-4368-83A4-9559EE6EF9BD}" type="datetimeFigureOut">
               <a:rPr lang="en-CA" smtClean="0"/>
-              <a:t>16/02/2018</a:t>
+              <a:t>19/02/2018</a:t>
             </a:fld>
             <a:endParaRPr lang="en-CA"/>
           </a:p>
@@ -1171,7 +1170,7 @@
           <a:p>
             <a:fld id="{F3A5C36C-4AD1-4368-83A4-9559EE6EF9BD}" type="datetimeFigureOut">
               <a:rPr lang="en-CA" smtClean="0"/>
-              <a:t>16/02/2018</a:t>
+              <a:t>19/02/2018</a:t>
             </a:fld>
             <a:endParaRPr lang="en-CA"/>
           </a:p>
@@ -1453,7 +1452,7 @@
           <a:p>
             <a:fld id="{F3A5C36C-4AD1-4368-83A4-9559EE6EF9BD}" type="datetimeFigureOut">
               <a:rPr lang="en-CA" smtClean="0"/>
-              <a:t>16/02/2018</a:t>
+              <a:t>19/02/2018</a:t>
             </a:fld>
             <a:endParaRPr lang="en-CA"/>
           </a:p>
@@ -1845,7 +1844,7 @@
           <a:p>
             <a:fld id="{F3A5C36C-4AD1-4368-83A4-9559EE6EF9BD}" type="datetimeFigureOut">
               <a:rPr lang="en-CA" smtClean="0"/>
-              <a:t>16/02/2018</a:t>
+              <a:t>19/02/2018</a:t>
             </a:fld>
             <a:endParaRPr lang="en-CA"/>
           </a:p>
@@ -2011,7 +2010,7 @@
           <a:p>
             <a:fld id="{F3A5C36C-4AD1-4368-83A4-9559EE6EF9BD}" type="datetimeFigureOut">
               <a:rPr lang="en-CA" smtClean="0"/>
-              <a:t>16/02/2018</a:t>
+              <a:t>19/02/2018</a:t>
             </a:fld>
             <a:endParaRPr lang="en-CA"/>
           </a:p>
@@ -2118,7 +2117,7 @@
           <a:p>
             <a:fld id="{F3A5C36C-4AD1-4368-83A4-9559EE6EF9BD}" type="datetimeFigureOut">
               <a:rPr lang="en-CA" smtClean="0"/>
-              <a:t>16/02/2018</a:t>
+              <a:t>19/02/2018</a:t>
             </a:fld>
             <a:endParaRPr lang="en-CA"/>
           </a:p>
@@ -2394,7 +2393,7 @@
           <a:p>
             <a:fld id="{F3A5C36C-4AD1-4368-83A4-9559EE6EF9BD}" type="datetimeFigureOut">
               <a:rPr lang="en-CA" smtClean="0"/>
-              <a:t>16/02/2018</a:t>
+              <a:t>19/02/2018</a:t>
             </a:fld>
             <a:endParaRPr lang="en-CA"/>
           </a:p>
@@ -3003,7 +3002,7 @@
           <a:p>
             <a:fld id="{F3A5C36C-4AD1-4368-83A4-9559EE6EF9BD}" type="datetimeFigureOut">
               <a:rPr lang="en-CA" smtClean="0"/>
-              <a:t>16/02/2018</a:t>
+              <a:t>19/02/2018</a:t>
             </a:fld>
             <a:endParaRPr lang="en-CA"/>
           </a:p>
@@ -3539,7 +3538,7 @@
           <a:p>
             <a:fld id="{F3A5C36C-4AD1-4368-83A4-9559EE6EF9BD}" type="datetimeFigureOut">
               <a:rPr lang="en-CA" smtClean="0"/>
-              <a:t>16/02/2018</a:t>
+              <a:t>19/02/2018</a:t>
             </a:fld>
             <a:endParaRPr lang="en-CA"/>
           </a:p>
@@ -4367,7 +4366,12 @@
             <p:ph type="title"/>
           </p:nvPr>
         </p:nvSpPr>
-        <p:spPr/>
+        <p:spPr>
+          <a:xfrm>
+            <a:off x="457200" y="908720"/>
+            <a:ext cx="8229600" cy="1143000"/>
+          </a:xfrm>
+        </p:spPr>
         <p:txBody>
           <a:bodyPr>
             <a:normAutofit fontScale="90000"/>
@@ -4375,14 +4379,14 @@
           <a:lstStyle/>
           <a:p>
             <a:r>
-              <a:rPr lang="en-CA" dirty="0"/>
+              <a:rPr lang="en-CA" b="1" dirty="0"/>
               <a:t>Logistic Regression + </a:t>
             </a:r>
             <a:br>
-              <a:rPr lang="en-CA" dirty="0"/>
+              <a:rPr lang="en-CA" b="1" dirty="0"/>
             </a:br>
             <a:r>
-              <a:rPr lang="en-CA" dirty="0"/>
+              <a:rPr lang="en-CA" b="1" dirty="0"/>
               <a:t>Predictive Habitat Map Example</a:t>
             </a:r>
           </a:p>
@@ -4400,7 +4404,7 @@
         </p:nvSpPr>
         <p:spPr>
           <a:xfrm>
-            <a:off x="457200" y="1783357"/>
+            <a:off x="457200" y="2132856"/>
             <a:ext cx="8229600" cy="4525963"/>
           </a:xfrm>
         </p:spPr>
@@ -4580,13 +4584,18 @@
             <p:ph type="title"/>
           </p:nvPr>
         </p:nvSpPr>
-        <p:spPr/>
+        <p:spPr>
+          <a:xfrm>
+            <a:off x="453634" y="414399"/>
+            <a:ext cx="8229600" cy="1143000"/>
+          </a:xfrm>
+        </p:spPr>
         <p:txBody>
           <a:bodyPr/>
           <a:lstStyle/>
           <a:p>
             <a:r>
-              <a:rPr lang="en-CA" dirty="0"/>
+              <a:rPr lang="en-CA" b="1" dirty="0"/>
               <a:t>Logistic Regression (cont.)</a:t>
             </a:r>
           </a:p>
@@ -4604,7 +4613,7 @@
         </p:nvSpPr>
         <p:spPr>
           <a:xfrm>
-            <a:off x="457200" y="1600200"/>
+            <a:off x="457200" y="1772816"/>
             <a:ext cx="8229600" cy="4997152"/>
           </a:xfrm>
         </p:spPr>
@@ -4707,20 +4716,20 @@
           <p:nvPr>
             <p:extLst>
               <p:ext uri="{D42A27DB-BD31-4B8C-83A1-F6EECF244321}">
-                <p14:modId xmlns:p14="http://schemas.microsoft.com/office/powerpoint/2010/main" val="2054353420"/>
+                <p14:modId xmlns:p14="http://schemas.microsoft.com/office/powerpoint/2010/main" val="639636233"/>
               </p:ext>
             </p:extLst>
           </p:nvPr>
         </p:nvGraphicFramePr>
         <p:xfrm>
-          <a:off x="2267744" y="1340768"/>
+          <a:off x="2267744" y="1513384"/>
           <a:ext cx="5778218" cy="1816348"/>
         </p:xfrm>
         <a:graphic>
           <a:graphicData uri="http://schemas.openxmlformats.org/presentationml/2006/ole">
             <mc:AlternateContent xmlns:mc="http://schemas.openxmlformats.org/markup-compatibility/2006">
               <mc:Choice xmlns:v="urn:schemas-microsoft-com:vml" Requires="v">
-                <p:oleObj spid="_x0000_s3360" name="Equation" r:id="rId3" imgW="3632040" imgH="1143000" progId="Equation.3">
+                <p:oleObj spid="_x0000_s3404" name="Equation" r:id="rId3" imgW="3632040" imgH="1143000" progId="Equation.3">
                   <p:embed/>
                 </p:oleObj>
               </mc:Choice>
@@ -4741,7 +4750,7 @@
                     </p:blipFill>
                     <p:spPr>
                       <a:xfrm>
-                        <a:off x="2267744" y="1340768"/>
+                        <a:off x="2267744" y="1513384"/>
                         <a:ext cx="5778218" cy="1816348"/>
                       </a:xfrm>
                       <a:prstGeom prst="rect">
@@ -4764,20 +4773,20 @@
           <p:nvPr>
             <p:extLst>
               <p:ext uri="{D42A27DB-BD31-4B8C-83A1-F6EECF244321}">
-                <p14:modId xmlns:p14="http://schemas.microsoft.com/office/powerpoint/2010/main" val="3994074672"/>
+                <p14:modId xmlns:p14="http://schemas.microsoft.com/office/powerpoint/2010/main" val="3783529360"/>
               </p:ext>
             </p:extLst>
           </p:nvPr>
         </p:nvGraphicFramePr>
         <p:xfrm>
-          <a:off x="2195736" y="3789040"/>
+          <a:off x="2123728" y="3933056"/>
           <a:ext cx="4471659" cy="1696739"/>
         </p:xfrm>
         <a:graphic>
           <a:graphicData uri="http://schemas.openxmlformats.org/presentationml/2006/ole">
             <mc:AlternateContent xmlns:mc="http://schemas.openxmlformats.org/markup-compatibility/2006">
               <mc:Choice xmlns:v="urn:schemas-microsoft-com:vml" Requires="v">
-                <p:oleObj spid="_x0000_s3361" name="Equation" r:id="rId5" imgW="2743200" imgH="1041120" progId="Equation.3">
+                <p:oleObj spid="_x0000_s3405" name="Equation" r:id="rId5" imgW="2743200" imgH="1041120" progId="Equation.3">
                   <p:embed/>
                 </p:oleObj>
               </mc:Choice>
@@ -4798,7 +4807,7 @@
                     </p:blipFill>
                     <p:spPr>
                       <a:xfrm>
-                        <a:off x="2195736" y="3789040"/>
+                        <a:off x="2123728" y="3933056"/>
                         <a:ext cx="4471659" cy="1696739"/>
                       </a:xfrm>
                       <a:prstGeom prst="rect">
@@ -4822,6 +4831,161 @@
   <p:clrMapOvr>
     <a:masterClrMapping/>
   </p:clrMapOvr>
+  <p:timing>
+    <p:tnLst>
+      <p:par>
+        <p:cTn id="1" dur="indefinite" restart="never" nodeType="tmRoot">
+          <p:childTnLst>
+            <p:seq concurrent="1" nextAc="seek">
+              <p:cTn id="2" dur="indefinite" nodeType="mainSeq">
+                <p:childTnLst>
+                  <p:par>
+                    <p:cTn id="3" fill="hold">
+                      <p:stCondLst>
+                        <p:cond delay="indefinite"/>
+                      </p:stCondLst>
+                      <p:childTnLst>
+                        <p:par>
+                          <p:cTn id="4" fill="hold">
+                            <p:stCondLst>
+                              <p:cond delay="0"/>
+                            </p:stCondLst>
+                            <p:childTnLst>
+                              <p:par>
+                                <p:cTn id="5" presetID="1" presetClass="entr" presetSubtype="0" fill="hold" nodeType="clickEffect">
+                                  <p:stCondLst>
+                                    <p:cond delay="0"/>
+                                  </p:stCondLst>
+                                  <p:childTnLst>
+                                    <p:set>
+                                      <p:cBhvr>
+                                        <p:cTn id="6" dur="1" fill="hold">
+                                          <p:stCondLst>
+                                            <p:cond delay="0"/>
+                                          </p:stCondLst>
+                                        </p:cTn>
+                                        <p:tgtEl>
+                                          <p:spTgt spid="3">
+                                            <p:txEl>
+                                              <p:pRg st="4" end="4"/>
+                                            </p:txEl>
+                                          </p:spTgt>
+                                        </p:tgtEl>
+                                        <p:attrNameLst>
+                                          <p:attrName>style.visibility</p:attrName>
+                                        </p:attrNameLst>
+                                      </p:cBhvr>
+                                      <p:to>
+                                        <p:strVal val="visible"/>
+                                      </p:to>
+                                    </p:set>
+                                  </p:childTnLst>
+                                </p:cTn>
+                              </p:par>
+                              <p:par>
+                                <p:cTn id="7" presetID="1" presetClass="entr" presetSubtype="0" fill="hold" nodeType="withEffect">
+                                  <p:stCondLst>
+                                    <p:cond delay="0"/>
+                                  </p:stCondLst>
+                                  <p:childTnLst>
+                                    <p:set>
+                                      <p:cBhvr>
+                                        <p:cTn id="8" dur="1" fill="hold">
+                                          <p:stCondLst>
+                                            <p:cond delay="0"/>
+                                          </p:stCondLst>
+                                        </p:cTn>
+                                        <p:tgtEl>
+                                          <p:spTgt spid="5"/>
+                                        </p:tgtEl>
+                                        <p:attrNameLst>
+                                          <p:attrName>style.visibility</p:attrName>
+                                        </p:attrNameLst>
+                                      </p:cBhvr>
+                                      <p:to>
+                                        <p:strVal val="visible"/>
+                                      </p:to>
+                                    </p:set>
+                                  </p:childTnLst>
+                                </p:cTn>
+                              </p:par>
+                            </p:childTnLst>
+                          </p:cTn>
+                        </p:par>
+                      </p:childTnLst>
+                    </p:cTn>
+                  </p:par>
+                  <p:par>
+                    <p:cTn id="9" fill="hold">
+                      <p:stCondLst>
+                        <p:cond delay="indefinite"/>
+                      </p:stCondLst>
+                      <p:childTnLst>
+                        <p:par>
+                          <p:cTn id="10" fill="hold">
+                            <p:stCondLst>
+                              <p:cond delay="0"/>
+                            </p:stCondLst>
+                            <p:childTnLst>
+                              <p:par>
+                                <p:cTn id="11" presetID="1" presetClass="entr" presetSubtype="0" fill="hold" nodeType="clickEffect">
+                                  <p:stCondLst>
+                                    <p:cond delay="0"/>
+                                  </p:stCondLst>
+                                  <p:childTnLst>
+                                    <p:set>
+                                      <p:cBhvr>
+                                        <p:cTn id="12" dur="1" fill="hold">
+                                          <p:stCondLst>
+                                            <p:cond delay="0"/>
+                                          </p:stCondLst>
+                                        </p:cTn>
+                                        <p:tgtEl>
+                                          <p:spTgt spid="3">
+                                            <p:txEl>
+                                              <p:pRg st="9" end="9"/>
+                                            </p:txEl>
+                                          </p:spTgt>
+                                        </p:tgtEl>
+                                        <p:attrNameLst>
+                                          <p:attrName>style.visibility</p:attrName>
+                                        </p:attrNameLst>
+                                      </p:cBhvr>
+                                      <p:to>
+                                        <p:strVal val="visible"/>
+                                      </p:to>
+                                    </p:set>
+                                  </p:childTnLst>
+                                </p:cTn>
+                              </p:par>
+                            </p:childTnLst>
+                          </p:cTn>
+                        </p:par>
+                      </p:childTnLst>
+                    </p:cTn>
+                  </p:par>
+                </p:childTnLst>
+              </p:cTn>
+              <p:prevCondLst>
+                <p:cond evt="onPrev" delay="0">
+                  <p:tgtEl>
+                    <p:sldTgt/>
+                  </p:tgtEl>
+                </p:cond>
+              </p:prevCondLst>
+              <p:nextCondLst>
+                <p:cond evt="onNext" delay="0">
+                  <p:tgtEl>
+                    <p:sldTgt/>
+                  </p:tgtEl>
+                </p:cond>
+              </p:nextCondLst>
+            </p:seq>
+          </p:childTnLst>
+        </p:cTn>
+      </p:par>
+    </p:tnLst>
+  </p:timing>
 </p:sld>
 </file>
 
@@ -4858,7 +5022,7 @@
           <a:lstStyle/>
           <a:p>
             <a:r>
-              <a:rPr lang="en-CA" dirty="0"/>
+              <a:rPr lang="en-CA" b="1" dirty="0"/>
               <a:t>Goodness of Fit (additions)</a:t>
             </a:r>
           </a:p>
@@ -5117,7 +5281,7 @@
         </p:blipFill>
         <p:spPr bwMode="auto">
           <a:xfrm>
-            <a:off x="4724400" y="1371600"/>
+            <a:off x="5004048" y="1447800"/>
             <a:ext cx="4003963" cy="5181600"/>
           </a:xfrm>
           <a:prstGeom prst="rect">
@@ -5255,7 +5419,7 @@
         </p:nvSpPr>
         <p:spPr>
           <a:xfrm>
-            <a:off x="467544" y="1412776"/>
+            <a:off x="433491" y="1847850"/>
             <a:ext cx="8229600" cy="4525963"/>
           </a:xfrm>
         </p:spPr>
@@ -5626,7 +5790,7 @@
         </p:blipFill>
         <p:spPr bwMode="auto">
           <a:xfrm>
-            <a:off x="-9525" y="22225"/>
+            <a:off x="-9525" y="-27384"/>
             <a:ext cx="8015288" cy="6851650"/>
           </a:xfrm>
           <a:prstGeom prst="rect">
@@ -5721,20 +5885,9 @@
           <a:prstGeom prst="rect">
             <a:avLst/>
           </a:prstGeom>
-          <a:gradFill>
-            <a:gsLst>
-              <a:gs pos="0">
-                <a:srgbClr val="FFEFD1"/>
-              </a:gs>
-              <a:gs pos="64999">
-                <a:srgbClr val="F0EBD5"/>
-              </a:gs>
-              <a:gs pos="41000">
-                <a:srgbClr val="D1C39F"/>
-              </a:gs>
-            </a:gsLst>
-            <a:lin ang="5400000" scaled="0"/>
-          </a:gradFill>
+          <a:solidFill>
+            <a:schemeClr val="bg1"/>
+          </a:solidFill>
           <a:ln>
             <a:solidFill>
               <a:schemeClr val="bg1"/>
@@ -6010,7 +6163,7 @@
           <a:lstStyle/>
           <a:p>
             <a:r>
-              <a:rPr lang="en-CA" dirty="0"/>
+              <a:rPr lang="en-CA" b="1" dirty="0"/>
               <a:t>Example in R</a:t>
             </a:r>
           </a:p>
@@ -6131,130 +6284,6 @@
     <p:extLst>
       <p:ext uri="{BB962C8B-B14F-4D97-AF65-F5344CB8AC3E}">
         <p14:creationId xmlns:p14="http://schemas.microsoft.com/office/powerpoint/2010/main" val="1202440273"/>
-      </p:ext>
-    </p:extLst>
-  </p:cSld>
-  <p:clrMapOvr>
-    <a:masterClrMapping/>
-  </p:clrMapOvr>
-</p:sld>
-</file>
-
-<file path=ppt/slides/slide18.xml><?xml version="1.0" encoding="utf-8"?>
-<p:sld xmlns:a="http://schemas.openxmlformats.org/drawingml/2006/main" xmlns:r="http://schemas.openxmlformats.org/officeDocument/2006/relationships" xmlns:p="http://schemas.openxmlformats.org/presentationml/2006/main">
-  <p:cSld>
-    <p:spTree>
-      <p:nvGrpSpPr>
-        <p:cNvPr id="1" name=""/>
-        <p:cNvGrpSpPr/>
-        <p:nvPr/>
-      </p:nvGrpSpPr>
-      <p:grpSpPr>
-        <a:xfrm>
-          <a:off x="0" y="0"/>
-          <a:ext cx="0" cy="0"/>
-          <a:chOff x="0" y="0"/>
-          <a:chExt cx="0" cy="0"/>
-        </a:xfrm>
-      </p:grpSpPr>
-      <p:sp>
-        <p:nvSpPr>
-          <p:cNvPr id="2" name="Title 1"/>
-          <p:cNvSpPr>
-            <a:spLocks noGrp="1"/>
-          </p:cNvSpPr>
-          <p:nvPr>
-            <p:ph type="title"/>
-          </p:nvPr>
-        </p:nvSpPr>
-        <p:spPr/>
-        <p:txBody>
-          <a:bodyPr/>
-          <a:lstStyle/>
-          <a:p>
-            <a:r>
-              <a:rPr lang="en-CA" dirty="0"/>
-              <a:t>Other GLM’s and </a:t>
-            </a:r>
-            <a:r>
-              <a:rPr lang="en-CA" dirty="0" err="1"/>
-              <a:t>overdispersion</a:t>
-            </a:r>
-            <a:endParaRPr lang="en-CA" dirty="0"/>
-          </a:p>
-        </p:txBody>
-      </p:sp>
-      <p:sp>
-        <p:nvSpPr>
-          <p:cNvPr id="3" name="Content Placeholder 2"/>
-          <p:cNvSpPr>
-            <a:spLocks noGrp="1"/>
-          </p:cNvSpPr>
-          <p:nvPr>
-            <p:ph idx="1"/>
-          </p:nvPr>
-        </p:nvSpPr>
-        <p:spPr/>
-        <p:txBody>
-          <a:bodyPr/>
-          <a:lstStyle/>
-          <a:p>
-            <a:r>
-              <a:rPr lang="en-CA" dirty="0"/>
-              <a:t>Poisson</a:t>
-            </a:r>
-          </a:p>
-          <a:p>
-            <a:r>
-              <a:rPr lang="en-CA" dirty="0"/>
-              <a:t>Negative Binomial (NB)</a:t>
-            </a:r>
-          </a:p>
-          <a:p>
-            <a:r>
-              <a:rPr lang="en-CA" dirty="0"/>
-              <a:t>Zero Inflated Poisson</a:t>
-            </a:r>
-          </a:p>
-          <a:p>
-            <a:r>
-              <a:rPr lang="en-CA" dirty="0"/>
-              <a:t>Zero Inflated NB</a:t>
-            </a:r>
-          </a:p>
-        </p:txBody>
-      </p:sp>
-      <p:pic>
-        <p:nvPicPr>
-          <p:cNvPr id="4" name="Picture 3" descr="Histogram.jpeg"/>
-          <p:cNvPicPr/>
-          <p:nvPr/>
-        </p:nvPicPr>
-        <p:blipFill>
-          <a:blip r:embed="rId2" cstate="print"/>
-          <a:stretch>
-            <a:fillRect/>
-          </a:stretch>
-        </p:blipFill>
-        <p:spPr>
-          <a:xfrm>
-            <a:off x="4779232" y="1484784"/>
-            <a:ext cx="4032448" cy="3888432"/>
-          </a:xfrm>
-          <a:prstGeom prst="rect">
-            <a:avLst/>
-          </a:prstGeom>
-          <a:ln>
-            <a:solidFill>
-              <a:schemeClr val="tx1"/>
-            </a:solidFill>
-          </a:ln>
-        </p:spPr>
-      </p:pic>
-    </p:spTree>
-    <p:extLst>
-      <p:ext uri="{BB962C8B-B14F-4D97-AF65-F5344CB8AC3E}">
-        <p14:creationId xmlns:p14="http://schemas.microsoft.com/office/powerpoint/2010/main" val="4060749602"/>
       </p:ext>
     </p:extLst>
   </p:cSld>
@@ -6297,7 +6326,7 @@
           <a:lstStyle/>
           <a:p>
             <a:r>
-              <a:rPr lang="en-CA" dirty="0"/>
+              <a:rPr lang="en-CA" b="1" dirty="0"/>
               <a:t>Outline</a:t>
             </a:r>
           </a:p>
@@ -6415,7 +6444,7 @@
           <a:lstStyle/>
           <a:p>
             <a:r>
-              <a:rPr lang="en-CA" dirty="0"/>
+              <a:rPr lang="en-CA" b="1" dirty="0"/>
               <a:t>Background</a:t>
             </a:r>
           </a:p>
@@ -6565,7 +6594,7 @@
           <a:lstStyle/>
           <a:p>
             <a:r>
-              <a:rPr lang="en-CA" dirty="0"/>
+              <a:rPr lang="en-CA" b="1" dirty="0"/>
               <a:t>Background (cont.)</a:t>
             </a:r>
           </a:p>
@@ -6583,7 +6612,7 @@
         </p:nvSpPr>
         <p:spPr>
           <a:xfrm>
-            <a:off x="179512" y="1600200"/>
+            <a:off x="179512" y="1970593"/>
             <a:ext cx="8856984" cy="4525963"/>
           </a:xfrm>
         </p:spPr>
@@ -6663,20 +6692,20 @@
           <p:nvPr>
             <p:extLst>
               <p:ext uri="{D42A27DB-BD31-4B8C-83A1-F6EECF244321}">
-                <p14:modId xmlns:p14="http://schemas.microsoft.com/office/powerpoint/2010/main" val="3720676495"/>
+                <p14:modId xmlns:p14="http://schemas.microsoft.com/office/powerpoint/2010/main" val="1980934129"/>
               </p:ext>
             </p:extLst>
           </p:nvPr>
         </p:nvGraphicFramePr>
         <p:xfrm>
-          <a:off x="3203848" y="1484784"/>
+          <a:off x="3203848" y="1855177"/>
           <a:ext cx="3160538" cy="1721594"/>
         </p:xfrm>
         <a:graphic>
           <a:graphicData uri="http://schemas.openxmlformats.org/presentationml/2006/ole">
             <mc:AlternateContent xmlns:mc="http://schemas.openxmlformats.org/markup-compatibility/2006">
               <mc:Choice xmlns:v="urn:schemas-microsoft-com:vml" Requires="v">
-                <p:oleObj spid="_x0000_s1372" name="Equation" r:id="rId3" imgW="1562040" imgH="850680" progId="Equation.3">
+                <p:oleObj spid="_x0000_s1416" name="Equation" r:id="rId3" imgW="1562040" imgH="850680" progId="Equation.3">
                   <p:embed/>
                 </p:oleObj>
               </mc:Choice>
@@ -6697,7 +6726,7 @@
                     </p:blipFill>
                     <p:spPr>
                       <a:xfrm>
-                        <a:off x="3203848" y="1484784"/>
+                        <a:off x="3203848" y="1855177"/>
                         <a:ext cx="3160538" cy="1721594"/>
                       </a:xfrm>
                       <a:prstGeom prst="rect">
@@ -6720,20 +6749,20 @@
           <p:nvPr>
             <p:extLst>
               <p:ext uri="{D42A27DB-BD31-4B8C-83A1-F6EECF244321}">
-                <p14:modId xmlns:p14="http://schemas.microsoft.com/office/powerpoint/2010/main" val="4096537474"/>
+                <p14:modId xmlns:p14="http://schemas.microsoft.com/office/powerpoint/2010/main" val="2392446196"/>
               </p:ext>
             </p:extLst>
           </p:nvPr>
         </p:nvGraphicFramePr>
         <p:xfrm>
-          <a:off x="3131840" y="3717032"/>
+          <a:off x="3131840" y="4087425"/>
           <a:ext cx="5088815" cy="2448272"/>
         </p:xfrm>
         <a:graphic>
           <a:graphicData uri="http://schemas.openxmlformats.org/presentationml/2006/ole">
             <mc:AlternateContent xmlns:mc="http://schemas.openxmlformats.org/markup-compatibility/2006">
               <mc:Choice xmlns:v="urn:schemas-microsoft-com:vml" Requires="v">
-                <p:oleObj spid="_x0000_s1373" name="Equation" r:id="rId5" imgW="3009600" imgH="1447560" progId="Equation.3">
+                <p:oleObj spid="_x0000_s1417" name="Equation" r:id="rId5" imgW="3009600" imgH="1447560" progId="Equation.3">
                   <p:embed/>
                 </p:oleObj>
               </mc:Choice>
@@ -6754,7 +6783,7 @@
                     </p:blipFill>
                     <p:spPr>
                       <a:xfrm>
-                        <a:off x="3131840" y="3717032"/>
+                        <a:off x="3131840" y="4087425"/>
                         <a:ext cx="5088815" cy="2448272"/>
                       </a:xfrm>
                       <a:prstGeom prst="rect">
@@ -6814,22 +6843,22 @@
           <a:lstStyle/>
           <a:p>
             <a:r>
-              <a:rPr lang="en-CA" dirty="0"/>
+              <a:rPr lang="en-CA" b="1" dirty="0"/>
               <a:t>Background (after </a:t>
             </a:r>
             <a:r>
-              <a:rPr lang="en-CA" dirty="0" err="1"/>
+              <a:rPr lang="en-CA" b="1" dirty="0" err="1"/>
               <a:t>Kery</a:t>
             </a:r>
             <a:r>
-              <a:rPr lang="en-CA" dirty="0"/>
+              <a:rPr lang="en-CA" b="1" dirty="0"/>
               <a:t> 2010*)</a:t>
             </a:r>
           </a:p>
         </p:txBody>
       </p:sp>
-      <mc:AlternateContent xmlns:mc="http://schemas.openxmlformats.org/markup-compatibility/2006">
-        <mc:Choice xmlns:a14="http://schemas.microsoft.com/office/drawing/2010/main" Requires="a14">
+      <mc:AlternateContent xmlns:mc="http://schemas.openxmlformats.org/markup-compatibility/2006" xmlns:a14="http://schemas.microsoft.com/office/drawing/2010/main">
+        <mc:Choice Requires="a14">
           <p:sp>
             <p:nvSpPr>
               <p:cNvPr id="3" name="Content Placeholder 2"/>
@@ -7165,7 +7194,7 @@
             </p:txBody>
           </p:sp>
         </mc:Choice>
-        <mc:Fallback>
+        <mc:Fallback xmlns="">
           <p:sp>
             <p:nvSpPr>
               <p:cNvPr id="3" name="Content Placeholder 2"/>
@@ -7290,7 +7319,7 @@
           <a:lstStyle/>
           <a:p>
             <a:r>
-              <a:rPr lang="en-CA" dirty="0"/>
+              <a:rPr lang="en-CA" b="1" dirty="0"/>
               <a:t>Commonly Used GLM’s</a:t>
             </a:r>
           </a:p>
@@ -7592,7 +7621,7 @@
           <a:lstStyle/>
           <a:p>
             <a:r>
-              <a:rPr lang="en-CA" dirty="0"/>
+              <a:rPr lang="en-CA" b="1" dirty="0"/>
               <a:t>Model Goodness of Fit</a:t>
             </a:r>
           </a:p>
@@ -7742,14 +7771,14 @@
           <a:lstStyle/>
           <a:p>
             <a:r>
-              <a:rPr lang="en-CA" dirty="0"/>
+              <a:rPr lang="en-CA" b="1" dirty="0"/>
               <a:t>Model Goodness of Fit</a:t>
             </a:r>
           </a:p>
         </p:txBody>
       </p:sp>
-      <mc:AlternateContent xmlns:mc="http://schemas.openxmlformats.org/markup-compatibility/2006" xmlns:a14="http://schemas.microsoft.com/office/drawing/2010/main">
-        <mc:Choice Requires="a14">
+      <mc:AlternateContent xmlns:mc="http://schemas.openxmlformats.org/markup-compatibility/2006">
+        <mc:Choice xmlns:a14="http://schemas.microsoft.com/office/drawing/2010/main" Requires="a14">
           <p:sp>
             <p:nvSpPr>
               <p:cNvPr id="3" name="Content Placeholder 2"/>
@@ -7762,7 +7791,7 @@
             </p:nvSpPr>
             <p:spPr>
               <a:xfrm>
-                <a:off x="467544" y="1484784"/>
+                <a:off x="457200" y="1988840"/>
                 <a:ext cx="8229600" cy="4525963"/>
               </a:xfrm>
             </p:spPr>
@@ -7772,7 +7801,11 @@
               </a:bodyPr>
               <a:lstStyle/>
               <a:p>
-                <a:pPr lvl="0"/>
+                <a:pPr lvl="0">
+                  <a:spcAft>
+                    <a:spcPts val="1200"/>
+                  </a:spcAft>
+                </a:pPr>
                 <a:r>
                   <a:rPr lang="en-US" sz="2200" dirty="0"/>
                   <a:t>Use Deviance or Pearson’s Chi Squared Statistic, for grouped or ungrouped data to compare unrestricted to restricted models, called, “</a:t>
@@ -7785,13 +7818,13 @@
                   <a:rPr lang="en-US" sz="2200" dirty="0"/>
                   <a:t>”, using a likelihood ratio test.  </a:t>
                 </a:r>
-                <a:br>
-                  <a:rPr lang="en-US" sz="2200" dirty="0"/>
-                </a:br>
-                <a:endParaRPr lang="en-CA" sz="2200" dirty="0"/>
               </a:p>
               <a:p>
-                <a:pPr lvl="0"/>
+                <a:pPr lvl="0">
+                  <a:spcAft>
+                    <a:spcPts val="1200"/>
+                  </a:spcAft>
+                </a:pPr>
                 <a:r>
                   <a:rPr lang="en-US" sz="2200" dirty="0" err="1"/>
                   <a:t>Aikaike’s</a:t>
@@ -7810,11 +7843,6 @@
                 </a:r>
                 <a:br>
                   <a:rPr lang="en-US" sz="2200" dirty="0"/>
-                </a:br>
-                <a:br>
-                  <a:rPr lang="en-CA" sz="2200" b="0" i="1" dirty="0">
-                    <a:latin typeface="Cambria Math"/>
-                  </a:rPr>
                 </a:br>
                 <a14:m>
                   <m:oMath xmlns:m="http://schemas.openxmlformats.org/officeDocument/2006/math">
@@ -7883,13 +7911,14 @@
                     </m:r>
                   </m:oMath>
                 </a14:m>
-                <a:br>
-                  <a:rPr lang="en-US" sz="2200" dirty="0"/>
-                </a:br>
-                <a:endParaRPr lang="en-CA" sz="2200" dirty="0"/>
+                <a:endParaRPr lang="en-CA" sz="2200" b="0" dirty="0"/>
               </a:p>
               <a:p>
-                <a:pPr lvl="0"/>
+                <a:pPr lvl="0">
+                  <a:spcAft>
+                    <a:spcPts val="1200"/>
+                  </a:spcAft>
+                </a:pPr>
                 <a:r>
                   <a:rPr lang="en-US" sz="2200" dirty="0"/>
                   <a:t>Schwarz Criterion (</a:t>
@@ -7908,6 +7937,9 @@
               </a:p>
               <a:p>
                 <a:pPr marL="0" lvl="0" indent="0">
+                  <a:spcAft>
+                    <a:spcPts val="1200"/>
+                  </a:spcAft>
                   <a:buNone/>
                 </a:pPr>
                 <a14:m>
@@ -8026,7 +8058,7 @@
             </p:txBody>
           </p:sp>
         </mc:Choice>
-        <mc:Fallback xmlns="">
+        <mc:Fallback>
           <p:sp>
             <p:nvSpPr>
               <p:cNvPr id="3" name="Content Placeholder 2"/>
@@ -8039,13 +8071,13 @@
             </p:nvSpPr>
             <p:spPr>
               <a:xfrm>
-                <a:off x="467544" y="1484784"/>
+                <a:off x="457200" y="1988840"/>
                 <a:ext cx="8229600" cy="4525963"/>
               </a:xfrm>
-              <a:blipFill rotWithShape="1">
+              <a:blipFill>
                 <a:blip r:embed="rId2"/>
                 <a:stretch>
-                  <a:fillRect l="-889" t="-809" b="-2965"/>
+                  <a:fillRect l="-593" t="-808" r="-741"/>
                 </a:stretch>
               </a:blipFill>
             </p:spPr>

--- a/ppts/Topic 8 Generalized Linear Models.pptx
+++ b/ppts/Topic 8 Generalized Linear Models.pptx
@@ -6,22 +6,20 @@
   </p:sldMasterIdLst>
   <p:sldIdLst>
     <p:sldId id="256" r:id="rId2"/>
-    <p:sldId id="257" r:id="rId3"/>
-    <p:sldId id="264" r:id="rId4"/>
-    <p:sldId id="259" r:id="rId5"/>
-    <p:sldId id="258" r:id="rId6"/>
-    <p:sldId id="260" r:id="rId7"/>
-    <p:sldId id="262" r:id="rId8"/>
-    <p:sldId id="263" r:id="rId9"/>
-    <p:sldId id="266" r:id="rId10"/>
-    <p:sldId id="265" r:id="rId11"/>
-    <p:sldId id="273" r:id="rId12"/>
-    <p:sldId id="274" r:id="rId13"/>
-    <p:sldId id="268" r:id="rId14"/>
-    <p:sldId id="267" r:id="rId15"/>
-    <p:sldId id="269" r:id="rId16"/>
-    <p:sldId id="270" r:id="rId17"/>
-    <p:sldId id="271" r:id="rId18"/>
+    <p:sldId id="264" r:id="rId3"/>
+    <p:sldId id="258" r:id="rId4"/>
+    <p:sldId id="260" r:id="rId5"/>
+    <p:sldId id="262" r:id="rId6"/>
+    <p:sldId id="263" r:id="rId7"/>
+    <p:sldId id="266" r:id="rId8"/>
+    <p:sldId id="265" r:id="rId9"/>
+    <p:sldId id="273" r:id="rId10"/>
+    <p:sldId id="274" r:id="rId11"/>
+    <p:sldId id="268" r:id="rId12"/>
+    <p:sldId id="267" r:id="rId13"/>
+    <p:sldId id="269" r:id="rId14"/>
+    <p:sldId id="270" r:id="rId15"/>
+    <p:sldId id="271" r:id="rId16"/>
   </p:sldIdLst>
   <p:sldSz cx="9144000" cy="6858000" type="screen4x3"/>
   <p:notesSz cx="6858000" cy="9144000"/>
@@ -351,7 +349,7 @@
           <a:p>
             <a:fld id="{F3A5C36C-4AD1-4368-83A4-9559EE6EF9BD}" type="datetimeFigureOut">
               <a:rPr lang="en-CA" smtClean="0"/>
-              <a:t>19/02/2018</a:t>
+              <a:t>2018-02-23</a:t>
             </a:fld>
             <a:endParaRPr lang="en-CA"/>
           </a:p>
@@ -535,7 +533,7 @@
           <a:p>
             <a:fld id="{F3A5C36C-4AD1-4368-83A4-9559EE6EF9BD}" type="datetimeFigureOut">
               <a:rPr lang="en-CA" smtClean="0"/>
-              <a:t>19/02/2018</a:t>
+              <a:t>2018-02-23</a:t>
             </a:fld>
             <a:endParaRPr lang="en-CA"/>
           </a:p>
@@ -725,7 +723,7 @@
           <a:p>
             <a:fld id="{F3A5C36C-4AD1-4368-83A4-9559EE6EF9BD}" type="datetimeFigureOut">
               <a:rPr lang="en-CA" smtClean="0"/>
-              <a:t>19/02/2018</a:t>
+              <a:t>2018-02-23</a:t>
             </a:fld>
             <a:endParaRPr lang="en-CA"/>
           </a:p>
@@ -905,7 +903,7 @@
           <a:p>
             <a:fld id="{F3A5C36C-4AD1-4368-83A4-9559EE6EF9BD}" type="datetimeFigureOut">
               <a:rPr lang="en-CA" smtClean="0"/>
-              <a:t>19/02/2018</a:t>
+              <a:t>2018-02-23</a:t>
             </a:fld>
             <a:endParaRPr lang="en-CA"/>
           </a:p>
@@ -1170,7 +1168,7 @@
           <a:p>
             <a:fld id="{F3A5C36C-4AD1-4368-83A4-9559EE6EF9BD}" type="datetimeFigureOut">
               <a:rPr lang="en-CA" smtClean="0"/>
-              <a:t>19/02/2018</a:t>
+              <a:t>2018-02-23</a:t>
             </a:fld>
             <a:endParaRPr lang="en-CA"/>
           </a:p>
@@ -1452,7 +1450,7 @@
           <a:p>
             <a:fld id="{F3A5C36C-4AD1-4368-83A4-9559EE6EF9BD}" type="datetimeFigureOut">
               <a:rPr lang="en-CA" smtClean="0"/>
-              <a:t>19/02/2018</a:t>
+              <a:t>2018-02-23</a:t>
             </a:fld>
             <a:endParaRPr lang="en-CA"/>
           </a:p>
@@ -1844,7 +1842,7 @@
           <a:p>
             <a:fld id="{F3A5C36C-4AD1-4368-83A4-9559EE6EF9BD}" type="datetimeFigureOut">
               <a:rPr lang="en-CA" smtClean="0"/>
-              <a:t>19/02/2018</a:t>
+              <a:t>2018-02-23</a:t>
             </a:fld>
             <a:endParaRPr lang="en-CA"/>
           </a:p>
@@ -2010,7 +2008,7 @@
           <a:p>
             <a:fld id="{F3A5C36C-4AD1-4368-83A4-9559EE6EF9BD}" type="datetimeFigureOut">
               <a:rPr lang="en-CA" smtClean="0"/>
-              <a:t>19/02/2018</a:t>
+              <a:t>2018-02-23</a:t>
             </a:fld>
             <a:endParaRPr lang="en-CA"/>
           </a:p>
@@ -2117,7 +2115,7 @@
           <a:p>
             <a:fld id="{F3A5C36C-4AD1-4368-83A4-9559EE6EF9BD}" type="datetimeFigureOut">
               <a:rPr lang="en-CA" smtClean="0"/>
-              <a:t>19/02/2018</a:t>
+              <a:t>2018-02-23</a:t>
             </a:fld>
             <a:endParaRPr lang="en-CA"/>
           </a:p>
@@ -2393,7 +2391,7 @@
           <a:p>
             <a:fld id="{F3A5C36C-4AD1-4368-83A4-9559EE6EF9BD}" type="datetimeFigureOut">
               <a:rPr lang="en-CA" smtClean="0"/>
-              <a:t>19/02/2018</a:t>
+              <a:t>2018-02-23</a:t>
             </a:fld>
             <a:endParaRPr lang="en-CA"/>
           </a:p>
@@ -3002,7 +3000,7 @@
           <a:p>
             <a:fld id="{F3A5C36C-4AD1-4368-83A4-9559EE6EF9BD}" type="datetimeFigureOut">
               <a:rPr lang="en-CA" smtClean="0"/>
-              <a:t>19/02/2018</a:t>
+              <a:t>2018-02-23</a:t>
             </a:fld>
             <a:endParaRPr lang="en-CA"/>
           </a:p>
@@ -3538,7 +3536,7 @@
           <a:p>
             <a:fld id="{F3A5C36C-4AD1-4368-83A4-9559EE6EF9BD}" type="datetimeFigureOut">
               <a:rPr lang="en-CA" smtClean="0"/>
-              <a:t>19/02/2018</a:t>
+              <a:t>2018-02-23</a:t>
             </a:fld>
             <a:endParaRPr lang="en-CA"/>
           </a:p>
@@ -4366,656 +4364,6 @@
             <p:ph type="title"/>
           </p:nvPr>
         </p:nvSpPr>
-        <p:spPr>
-          <a:xfrm>
-            <a:off x="457200" y="908720"/>
-            <a:ext cx="8229600" cy="1143000"/>
-          </a:xfrm>
-        </p:spPr>
-        <p:txBody>
-          <a:bodyPr>
-            <a:normAutofit fontScale="90000"/>
-          </a:bodyPr>
-          <a:lstStyle/>
-          <a:p>
-            <a:r>
-              <a:rPr lang="en-CA" b="1" dirty="0"/>
-              <a:t>Logistic Regression + </a:t>
-            </a:r>
-            <a:br>
-              <a:rPr lang="en-CA" b="1" dirty="0"/>
-            </a:br>
-            <a:r>
-              <a:rPr lang="en-CA" b="1" dirty="0"/>
-              <a:t>Predictive Habitat Map Example</a:t>
-            </a:r>
-          </a:p>
-        </p:txBody>
-      </p:sp>
-      <p:sp>
-        <p:nvSpPr>
-          <p:cNvPr id="3" name="Content Placeholder 2"/>
-          <p:cNvSpPr>
-            <a:spLocks noGrp="1"/>
-          </p:cNvSpPr>
-          <p:nvPr>
-            <p:ph idx="1"/>
-          </p:nvPr>
-        </p:nvSpPr>
-        <p:spPr>
-          <a:xfrm>
-            <a:off x="457200" y="2132856"/>
-            <a:ext cx="8229600" cy="4525963"/>
-          </a:xfrm>
-        </p:spPr>
-        <p:txBody>
-          <a:bodyPr>
-            <a:normAutofit fontScale="77500" lnSpcReduction="20000"/>
-          </a:bodyPr>
-          <a:lstStyle/>
-          <a:p>
-            <a:r>
-              <a:rPr lang="en-US" dirty="0"/>
-              <a:t>For many problems, the y variable is a </a:t>
-            </a:r>
-            <a:r>
-              <a:rPr lang="en-US" dirty="0" err="1"/>
-              <a:t>Bernouilli</a:t>
-            </a:r>
-            <a:r>
-              <a:rPr lang="en-US" dirty="0"/>
-              <a:t> random variable (0/1):</a:t>
-            </a:r>
-            <a:endParaRPr lang="en-CA" dirty="0"/>
-          </a:p>
-          <a:p>
-            <a:pPr lvl="1"/>
-            <a:r>
-              <a:rPr lang="en-US" dirty="0"/>
-              <a:t>Detection versus non detection of an animal</a:t>
-            </a:r>
-          </a:p>
-          <a:p>
-            <a:pPr lvl="1"/>
-            <a:r>
-              <a:rPr lang="en-US" dirty="0"/>
-              <a:t>Healthy versus diseased animal</a:t>
-            </a:r>
-          </a:p>
-          <a:p>
-            <a:pPr lvl="1"/>
-            <a:r>
-              <a:rPr lang="en-US" dirty="0"/>
-              <a:t>Dead versus live trees</a:t>
-            </a:r>
-            <a:endParaRPr lang="en-CA" dirty="0"/>
-          </a:p>
-          <a:p>
-            <a:pPr lvl="1"/>
-            <a:endParaRPr lang="en-CA" dirty="0"/>
-          </a:p>
-          <a:p>
-            <a:r>
-              <a:rPr lang="en-US" dirty="0"/>
-              <a:t>Can be summarized into a Binomial Distribution which gives the proportion of successes (</a:t>
-            </a:r>
-            <a:r>
-              <a:rPr lang="en-US" i="1" dirty="0"/>
-              <a:t>p</a:t>
-            </a:r>
-            <a:r>
-              <a:rPr lang="en-US" dirty="0"/>
-              <a:t>) versus failure (</a:t>
-            </a:r>
-            <a:r>
-              <a:rPr lang="en-US" i="1" dirty="0"/>
-              <a:t>q</a:t>
-            </a:r>
-            <a:r>
-              <a:rPr lang="en-US" dirty="0"/>
-              <a:t>=1-</a:t>
-            </a:r>
-            <a:r>
-              <a:rPr lang="en-US" i="1" dirty="0"/>
-              <a:t>p</a:t>
-            </a:r>
-            <a:r>
-              <a:rPr lang="en-US" dirty="0"/>
-              <a:t>).  </a:t>
-            </a:r>
-            <a:endParaRPr lang="en-CA" dirty="0"/>
-          </a:p>
-          <a:p>
-            <a:pPr marL="0" indent="0">
-              <a:buNone/>
-            </a:pPr>
-            <a:endParaRPr lang="en-CA" dirty="0"/>
-          </a:p>
-          <a:p>
-            <a:r>
-              <a:rPr lang="en-US" dirty="0"/>
-              <a:t>We then wish to use a model to predict this </a:t>
-            </a:r>
-            <a:r>
-              <a:rPr lang="en-US" i="1" dirty="0"/>
-              <a:t>y</a:t>
-            </a:r>
-            <a:r>
-              <a:rPr lang="en-US" dirty="0"/>
-              <a:t> variable, given a set of explanatory variables, </a:t>
-            </a:r>
-            <a:r>
-              <a:rPr lang="en-US" i="1" dirty="0"/>
-              <a:t>x</a:t>
-            </a:r>
-            <a:r>
-              <a:rPr lang="en-US" dirty="0"/>
-              <a:t>, which can be continuous variables, class variables represented by a set of dummy variables, and interactions between continuous and class variables. </a:t>
-            </a:r>
-            <a:endParaRPr lang="en-CA" dirty="0"/>
-          </a:p>
-          <a:p>
-            <a:pPr marL="0" indent="0">
-              <a:buNone/>
-            </a:pPr>
-            <a:r>
-              <a:rPr lang="en-US" dirty="0"/>
-              <a:t> </a:t>
-            </a:r>
-            <a:endParaRPr lang="en-CA" dirty="0"/>
-          </a:p>
-          <a:p>
-            <a:r>
-              <a:rPr lang="en-US" dirty="0"/>
-              <a:t>The predicted values from this model will be the probability that</a:t>
-            </a:r>
-            <a:r>
-              <a:rPr lang="en-US" i="1" dirty="0"/>
-              <a:t> y</a:t>
-            </a:r>
-            <a:r>
-              <a:rPr lang="en-US" dirty="0"/>
-              <a:t>=1.  </a:t>
-            </a:r>
-            <a:endParaRPr lang="en-CA" dirty="0"/>
-          </a:p>
-          <a:p>
-            <a:endParaRPr lang="en-CA" dirty="0"/>
-          </a:p>
-        </p:txBody>
-      </p:sp>
-    </p:spTree>
-    <p:extLst>
-      <p:ext uri="{BB962C8B-B14F-4D97-AF65-F5344CB8AC3E}">
-        <p14:creationId xmlns:p14="http://schemas.microsoft.com/office/powerpoint/2010/main" val="221231703"/>
-      </p:ext>
-    </p:extLst>
-  </p:cSld>
-  <p:clrMapOvr>
-    <a:masterClrMapping/>
-  </p:clrMapOvr>
-</p:sld>
-</file>
-
-<file path=ppt/slides/slide11.xml><?xml version="1.0" encoding="utf-8"?>
-<p:sld xmlns:a="http://schemas.openxmlformats.org/drawingml/2006/main" xmlns:r="http://schemas.openxmlformats.org/officeDocument/2006/relationships" xmlns:p="http://schemas.openxmlformats.org/presentationml/2006/main">
-  <p:cSld>
-    <p:spTree>
-      <p:nvGrpSpPr>
-        <p:cNvPr id="1" name=""/>
-        <p:cNvGrpSpPr/>
-        <p:nvPr/>
-      </p:nvGrpSpPr>
-      <p:grpSpPr>
-        <a:xfrm>
-          <a:off x="0" y="0"/>
-          <a:ext cx="0" cy="0"/>
-          <a:chOff x="0" y="0"/>
-          <a:chExt cx="0" cy="0"/>
-        </a:xfrm>
-      </p:grpSpPr>
-      <p:sp>
-        <p:nvSpPr>
-          <p:cNvPr id="2" name="Title 1"/>
-          <p:cNvSpPr>
-            <a:spLocks noGrp="1"/>
-          </p:cNvSpPr>
-          <p:nvPr>
-            <p:ph type="title"/>
-          </p:nvPr>
-        </p:nvSpPr>
-        <p:spPr>
-          <a:xfrm>
-            <a:off x="453634" y="414399"/>
-            <a:ext cx="8229600" cy="1143000"/>
-          </a:xfrm>
-        </p:spPr>
-        <p:txBody>
-          <a:bodyPr/>
-          <a:lstStyle/>
-          <a:p>
-            <a:r>
-              <a:rPr lang="en-CA" b="1" dirty="0"/>
-              <a:t>Logistic Regression (cont.)</a:t>
-            </a:r>
-          </a:p>
-        </p:txBody>
-      </p:sp>
-      <p:sp>
-        <p:nvSpPr>
-          <p:cNvPr id="3" name="Content Placeholder 2"/>
-          <p:cNvSpPr>
-            <a:spLocks noGrp="1"/>
-          </p:cNvSpPr>
-          <p:nvPr>
-            <p:ph idx="1"/>
-          </p:nvPr>
-        </p:nvSpPr>
-        <p:spPr>
-          <a:xfrm>
-            <a:off x="457200" y="1772816"/>
-            <a:ext cx="8229600" cy="4997152"/>
-          </a:xfrm>
-        </p:spPr>
-        <p:txBody>
-          <a:bodyPr>
-            <a:normAutofit/>
-          </a:bodyPr>
-          <a:lstStyle/>
-          <a:p>
-            <a:pPr marL="0" indent="0">
-              <a:buNone/>
-            </a:pPr>
-            <a:endParaRPr lang="en-US" sz="2200" dirty="0"/>
-          </a:p>
-          <a:p>
-            <a:pPr marL="0" indent="0">
-              <a:buNone/>
-            </a:pPr>
-            <a:endParaRPr lang="en-US" sz="2200" dirty="0"/>
-          </a:p>
-          <a:p>
-            <a:pPr marL="0" indent="0">
-              <a:buNone/>
-            </a:pPr>
-            <a:endParaRPr lang="en-US" sz="2200" dirty="0"/>
-          </a:p>
-          <a:p>
-            <a:pPr marL="0" indent="0">
-              <a:buNone/>
-            </a:pPr>
-            <a:endParaRPr lang="en-US" sz="2200" dirty="0"/>
-          </a:p>
-          <a:p>
-            <a:pPr marL="0" indent="0">
-              <a:buNone/>
-            </a:pPr>
-            <a:r>
-              <a:rPr lang="en-US" sz="2200" dirty="0"/>
-              <a:t>Using the logarithm of the odds ratio as a linear function of the </a:t>
-            </a:r>
-            <a:r>
-              <a:rPr lang="en-US" sz="2200" i="1" dirty="0"/>
-              <a:t>x</a:t>
-            </a:r>
-            <a:r>
-              <a:rPr lang="en-US" sz="2200" dirty="0"/>
-              <a:t> variables:</a:t>
-            </a:r>
-          </a:p>
-          <a:p>
-            <a:endParaRPr lang="en-US" sz="2200" dirty="0"/>
-          </a:p>
-          <a:p>
-            <a:endParaRPr lang="en-US" sz="2200" dirty="0"/>
-          </a:p>
-          <a:p>
-            <a:pPr marL="0" indent="0">
-              <a:buNone/>
-            </a:pPr>
-            <a:endParaRPr lang="en-US" sz="2200" dirty="0"/>
-          </a:p>
-          <a:p>
-            <a:pPr marL="0" indent="0">
-              <a:buNone/>
-            </a:pPr>
-            <a:endParaRPr lang="en-US" sz="2200" dirty="0"/>
-          </a:p>
-          <a:p>
-            <a:pPr marL="0" indent="0">
-              <a:buNone/>
-            </a:pPr>
-            <a:r>
-              <a:rPr lang="en-US" sz="2200" dirty="0"/>
-              <a:t>This is called a “logistic function”.  It is constrained to give predictions between 0 and 1, which are probabilities that </a:t>
-            </a:r>
-            <a:r>
-              <a:rPr lang="en-US" sz="2200" i="1" dirty="0"/>
-              <a:t>y</a:t>
-            </a:r>
-            <a:r>
-              <a:rPr lang="en-US" sz="2200" dirty="0"/>
-              <a:t>=1.</a:t>
-            </a:r>
-            <a:endParaRPr lang="en-CA" sz="2200" dirty="0"/>
-          </a:p>
-          <a:p>
-            <a:endParaRPr lang="en-CA" sz="2800" dirty="0"/>
-          </a:p>
-          <a:p>
-            <a:endParaRPr lang="en-CA" sz="2800" dirty="0"/>
-          </a:p>
-        </p:txBody>
-      </p:sp>
-      <p:graphicFrame>
-        <p:nvGraphicFramePr>
-          <p:cNvPr id="4" name="Object 3"/>
-          <p:cNvGraphicFramePr>
-            <a:graphicFrameLocks noChangeAspect="1"/>
-          </p:cNvGraphicFramePr>
-          <p:nvPr>
-            <p:extLst>
-              <p:ext uri="{D42A27DB-BD31-4B8C-83A1-F6EECF244321}">
-                <p14:modId xmlns:p14="http://schemas.microsoft.com/office/powerpoint/2010/main" val="639636233"/>
-              </p:ext>
-            </p:extLst>
-          </p:nvPr>
-        </p:nvGraphicFramePr>
-        <p:xfrm>
-          <a:off x="2267744" y="1513384"/>
-          <a:ext cx="5778218" cy="1816348"/>
-        </p:xfrm>
-        <a:graphic>
-          <a:graphicData uri="http://schemas.openxmlformats.org/presentationml/2006/ole">
-            <mc:AlternateContent xmlns:mc="http://schemas.openxmlformats.org/markup-compatibility/2006">
-              <mc:Choice xmlns:v="urn:schemas-microsoft-com:vml" Requires="v">
-                <p:oleObj spid="_x0000_s3404" name="Equation" r:id="rId3" imgW="3632040" imgH="1143000" progId="Equation.3">
-                  <p:embed/>
-                </p:oleObj>
-              </mc:Choice>
-              <mc:Fallback>
-                <p:oleObj name="Equation" r:id="rId3" imgW="3632040" imgH="1143000" progId="Equation.3">
-                  <p:embed/>
-                  <p:pic>
-                    <p:nvPicPr>
-                      <p:cNvPr id="0" name=""/>
-                      <p:cNvPicPr/>
-                      <p:nvPr/>
-                    </p:nvPicPr>
-                    <p:blipFill>
-                      <a:blip r:embed="rId4"/>
-                      <a:stretch>
-                        <a:fillRect/>
-                      </a:stretch>
-                    </p:blipFill>
-                    <p:spPr>
-                      <a:xfrm>
-                        <a:off x="2267744" y="1513384"/>
-                        <a:ext cx="5778218" cy="1816348"/>
-                      </a:xfrm>
-                      <a:prstGeom prst="rect">
-                        <a:avLst/>
-                      </a:prstGeom>
-                    </p:spPr>
-                  </p:pic>
-                </p:oleObj>
-              </mc:Fallback>
-            </mc:AlternateContent>
-          </a:graphicData>
-        </a:graphic>
-      </p:graphicFrame>
-      <p:graphicFrame>
-        <p:nvGraphicFramePr>
-          <p:cNvPr id="5" name="Object 4"/>
-          <p:cNvGraphicFramePr>
-            <a:graphicFrameLocks noChangeAspect="1"/>
-          </p:cNvGraphicFramePr>
-          <p:nvPr>
-            <p:extLst>
-              <p:ext uri="{D42A27DB-BD31-4B8C-83A1-F6EECF244321}">
-                <p14:modId xmlns:p14="http://schemas.microsoft.com/office/powerpoint/2010/main" val="3783529360"/>
-              </p:ext>
-            </p:extLst>
-          </p:nvPr>
-        </p:nvGraphicFramePr>
-        <p:xfrm>
-          <a:off x="2123728" y="3933056"/>
-          <a:ext cx="4471659" cy="1696739"/>
-        </p:xfrm>
-        <a:graphic>
-          <a:graphicData uri="http://schemas.openxmlformats.org/presentationml/2006/ole">
-            <mc:AlternateContent xmlns:mc="http://schemas.openxmlformats.org/markup-compatibility/2006">
-              <mc:Choice xmlns:v="urn:schemas-microsoft-com:vml" Requires="v">
-                <p:oleObj spid="_x0000_s3405" name="Equation" r:id="rId5" imgW="2743200" imgH="1041120" progId="Equation.3">
-                  <p:embed/>
-                </p:oleObj>
-              </mc:Choice>
-              <mc:Fallback>
-                <p:oleObj name="Equation" r:id="rId5" imgW="2743200" imgH="1041120" progId="Equation.3">
-                  <p:embed/>
-                  <p:pic>
-                    <p:nvPicPr>
-                      <p:cNvPr id="0" name=""/>
-                      <p:cNvPicPr/>
-                      <p:nvPr/>
-                    </p:nvPicPr>
-                    <p:blipFill>
-                      <a:blip r:embed="rId6"/>
-                      <a:stretch>
-                        <a:fillRect/>
-                      </a:stretch>
-                    </p:blipFill>
-                    <p:spPr>
-                      <a:xfrm>
-                        <a:off x="2123728" y="3933056"/>
-                        <a:ext cx="4471659" cy="1696739"/>
-                      </a:xfrm>
-                      <a:prstGeom prst="rect">
-                        <a:avLst/>
-                      </a:prstGeom>
-                    </p:spPr>
-                  </p:pic>
-                </p:oleObj>
-              </mc:Fallback>
-            </mc:AlternateContent>
-          </a:graphicData>
-        </a:graphic>
-      </p:graphicFrame>
-    </p:spTree>
-    <p:extLst>
-      <p:ext uri="{BB962C8B-B14F-4D97-AF65-F5344CB8AC3E}">
-        <p14:creationId xmlns:p14="http://schemas.microsoft.com/office/powerpoint/2010/main" val="3374735035"/>
-      </p:ext>
-    </p:extLst>
-  </p:cSld>
-  <p:clrMapOvr>
-    <a:masterClrMapping/>
-  </p:clrMapOvr>
-  <p:timing>
-    <p:tnLst>
-      <p:par>
-        <p:cTn id="1" dur="indefinite" restart="never" nodeType="tmRoot">
-          <p:childTnLst>
-            <p:seq concurrent="1" nextAc="seek">
-              <p:cTn id="2" dur="indefinite" nodeType="mainSeq">
-                <p:childTnLst>
-                  <p:par>
-                    <p:cTn id="3" fill="hold">
-                      <p:stCondLst>
-                        <p:cond delay="indefinite"/>
-                      </p:stCondLst>
-                      <p:childTnLst>
-                        <p:par>
-                          <p:cTn id="4" fill="hold">
-                            <p:stCondLst>
-                              <p:cond delay="0"/>
-                            </p:stCondLst>
-                            <p:childTnLst>
-                              <p:par>
-                                <p:cTn id="5" presetID="1" presetClass="entr" presetSubtype="0" fill="hold" nodeType="clickEffect">
-                                  <p:stCondLst>
-                                    <p:cond delay="0"/>
-                                  </p:stCondLst>
-                                  <p:childTnLst>
-                                    <p:set>
-                                      <p:cBhvr>
-                                        <p:cTn id="6" dur="1" fill="hold">
-                                          <p:stCondLst>
-                                            <p:cond delay="0"/>
-                                          </p:stCondLst>
-                                        </p:cTn>
-                                        <p:tgtEl>
-                                          <p:spTgt spid="3">
-                                            <p:txEl>
-                                              <p:pRg st="4" end="4"/>
-                                            </p:txEl>
-                                          </p:spTgt>
-                                        </p:tgtEl>
-                                        <p:attrNameLst>
-                                          <p:attrName>style.visibility</p:attrName>
-                                        </p:attrNameLst>
-                                      </p:cBhvr>
-                                      <p:to>
-                                        <p:strVal val="visible"/>
-                                      </p:to>
-                                    </p:set>
-                                  </p:childTnLst>
-                                </p:cTn>
-                              </p:par>
-                              <p:par>
-                                <p:cTn id="7" presetID="1" presetClass="entr" presetSubtype="0" fill="hold" nodeType="withEffect">
-                                  <p:stCondLst>
-                                    <p:cond delay="0"/>
-                                  </p:stCondLst>
-                                  <p:childTnLst>
-                                    <p:set>
-                                      <p:cBhvr>
-                                        <p:cTn id="8" dur="1" fill="hold">
-                                          <p:stCondLst>
-                                            <p:cond delay="0"/>
-                                          </p:stCondLst>
-                                        </p:cTn>
-                                        <p:tgtEl>
-                                          <p:spTgt spid="5"/>
-                                        </p:tgtEl>
-                                        <p:attrNameLst>
-                                          <p:attrName>style.visibility</p:attrName>
-                                        </p:attrNameLst>
-                                      </p:cBhvr>
-                                      <p:to>
-                                        <p:strVal val="visible"/>
-                                      </p:to>
-                                    </p:set>
-                                  </p:childTnLst>
-                                </p:cTn>
-                              </p:par>
-                            </p:childTnLst>
-                          </p:cTn>
-                        </p:par>
-                      </p:childTnLst>
-                    </p:cTn>
-                  </p:par>
-                  <p:par>
-                    <p:cTn id="9" fill="hold">
-                      <p:stCondLst>
-                        <p:cond delay="indefinite"/>
-                      </p:stCondLst>
-                      <p:childTnLst>
-                        <p:par>
-                          <p:cTn id="10" fill="hold">
-                            <p:stCondLst>
-                              <p:cond delay="0"/>
-                            </p:stCondLst>
-                            <p:childTnLst>
-                              <p:par>
-                                <p:cTn id="11" presetID="1" presetClass="entr" presetSubtype="0" fill="hold" nodeType="clickEffect">
-                                  <p:stCondLst>
-                                    <p:cond delay="0"/>
-                                  </p:stCondLst>
-                                  <p:childTnLst>
-                                    <p:set>
-                                      <p:cBhvr>
-                                        <p:cTn id="12" dur="1" fill="hold">
-                                          <p:stCondLst>
-                                            <p:cond delay="0"/>
-                                          </p:stCondLst>
-                                        </p:cTn>
-                                        <p:tgtEl>
-                                          <p:spTgt spid="3">
-                                            <p:txEl>
-                                              <p:pRg st="9" end="9"/>
-                                            </p:txEl>
-                                          </p:spTgt>
-                                        </p:tgtEl>
-                                        <p:attrNameLst>
-                                          <p:attrName>style.visibility</p:attrName>
-                                        </p:attrNameLst>
-                                      </p:cBhvr>
-                                      <p:to>
-                                        <p:strVal val="visible"/>
-                                      </p:to>
-                                    </p:set>
-                                  </p:childTnLst>
-                                </p:cTn>
-                              </p:par>
-                            </p:childTnLst>
-                          </p:cTn>
-                        </p:par>
-                      </p:childTnLst>
-                    </p:cTn>
-                  </p:par>
-                </p:childTnLst>
-              </p:cTn>
-              <p:prevCondLst>
-                <p:cond evt="onPrev" delay="0">
-                  <p:tgtEl>
-                    <p:sldTgt/>
-                  </p:tgtEl>
-                </p:cond>
-              </p:prevCondLst>
-              <p:nextCondLst>
-                <p:cond evt="onNext" delay="0">
-                  <p:tgtEl>
-                    <p:sldTgt/>
-                  </p:tgtEl>
-                </p:cond>
-              </p:nextCondLst>
-            </p:seq>
-          </p:childTnLst>
-        </p:cTn>
-      </p:par>
-    </p:tnLst>
-  </p:timing>
-</p:sld>
-</file>
-
-<file path=ppt/slides/slide12.xml><?xml version="1.0" encoding="utf-8"?>
-<p:sld xmlns:a="http://schemas.openxmlformats.org/drawingml/2006/main" xmlns:r="http://schemas.openxmlformats.org/officeDocument/2006/relationships" xmlns:p="http://schemas.openxmlformats.org/presentationml/2006/main">
-  <p:cSld>
-    <p:spTree>
-      <p:nvGrpSpPr>
-        <p:cNvPr id="1" name=""/>
-        <p:cNvGrpSpPr/>
-        <p:nvPr/>
-      </p:nvGrpSpPr>
-      <p:grpSpPr>
-        <a:xfrm>
-          <a:off x="0" y="0"/>
-          <a:ext cx="0" cy="0"/>
-          <a:chOff x="0" y="0"/>
-          <a:chExt cx="0" cy="0"/>
-        </a:xfrm>
-      </p:grpSpPr>
-      <p:sp>
-        <p:nvSpPr>
-          <p:cNvPr id="2" name="Title 1"/>
-          <p:cNvSpPr>
-            <a:spLocks noGrp="1"/>
-          </p:cNvSpPr>
-          <p:nvPr>
-            <p:ph type="title"/>
-          </p:nvPr>
-        </p:nvSpPr>
         <p:spPr/>
         <p:txBody>
           <a:bodyPr/>
@@ -5088,7 +4436,7 @@
 </p:sld>
 </file>
 
-<file path=ppt/slides/slide13.xml><?xml version="1.0" encoding="utf-8"?>
+<file path=ppt/slides/slide11.xml><?xml version="1.0" encoding="utf-8"?>
 <p:sld xmlns:a="http://schemas.openxmlformats.org/drawingml/2006/main" xmlns:r="http://schemas.openxmlformats.org/officeDocument/2006/relationships" xmlns:p="http://schemas.openxmlformats.org/presentationml/2006/main">
   <p:cSld>
     <p:spTree>
@@ -5368,7 +4716,7 @@
 </p:sld>
 </file>
 
-<file path=ppt/slides/slide14.xml><?xml version="1.0" encoding="utf-8"?>
+<file path=ppt/slides/slide12.xml><?xml version="1.0" encoding="utf-8"?>
 <p:sld xmlns:a="http://schemas.openxmlformats.org/drawingml/2006/main" xmlns:r="http://schemas.openxmlformats.org/officeDocument/2006/relationships" xmlns:p="http://schemas.openxmlformats.org/presentationml/2006/main">
   <p:cSld>
     <p:spTree>
@@ -5522,7 +4870,7 @@
 </p:sld>
 </file>
 
-<file path=ppt/slides/slide15.xml><?xml version="1.0" encoding="utf-8"?>
+<file path=ppt/slides/slide13.xml><?xml version="1.0" encoding="utf-8"?>
 <p:sld xmlns:a="http://schemas.openxmlformats.org/drawingml/2006/main" xmlns:r="http://schemas.openxmlformats.org/officeDocument/2006/relationships" xmlns:p="http://schemas.openxmlformats.org/presentationml/2006/main">
   <p:cSld>
     <p:spTree>
@@ -5756,7 +5104,7 @@
 </p:sld>
 </file>
 
-<file path=ppt/slides/slide16.xml><?xml version="1.0" encoding="utf-8"?>
+<file path=ppt/slides/slide14.xml><?xml version="1.0" encoding="utf-8"?>
 <p:sld xmlns:a="http://schemas.openxmlformats.org/drawingml/2006/main" xmlns:r="http://schemas.openxmlformats.org/officeDocument/2006/relationships" xmlns:p="http://schemas.openxmlformats.org/presentationml/2006/main">
   <p:cSld>
     <p:spTree>
@@ -6128,7 +5476,7 @@
 </p:sld>
 </file>
 
-<file path=ppt/slides/slide17.xml><?xml version="1.0" encoding="utf-8"?>
+<file path=ppt/slides/slide15.xml><?xml version="1.0" encoding="utf-8"?>
 <p:sld xmlns:a="http://schemas.openxmlformats.org/drawingml/2006/main" xmlns:r="http://schemas.openxmlformats.org/officeDocument/2006/relationships" xmlns:p="http://schemas.openxmlformats.org/presentationml/2006/main">
   <p:cSld>
     <p:spTree>
@@ -6327,124 +5675,6 @@
           <a:p>
             <a:r>
               <a:rPr lang="en-CA" b="1" dirty="0"/>
-              <a:t>Outline</a:t>
-            </a:r>
-          </a:p>
-        </p:txBody>
-      </p:sp>
-      <p:sp>
-        <p:nvSpPr>
-          <p:cNvPr id="3" name="Content Placeholder 2"/>
-          <p:cNvSpPr>
-            <a:spLocks noGrp="1"/>
-          </p:cNvSpPr>
-          <p:nvPr>
-            <p:ph idx="1"/>
-          </p:nvPr>
-        </p:nvSpPr>
-        <p:spPr/>
-        <p:txBody>
-          <a:bodyPr/>
-          <a:lstStyle/>
-          <a:p>
-            <a:pPr marL="571500" indent="-571500">
-              <a:buFont typeface="+mj-lt"/>
-              <a:buAutoNum type="romanUcPeriod"/>
-            </a:pPr>
-            <a:r>
-              <a:rPr lang="en-CA" dirty="0"/>
-              <a:t>Background </a:t>
-            </a:r>
-          </a:p>
-          <a:p>
-            <a:pPr marL="571500" indent="-571500">
-              <a:buFont typeface="+mj-lt"/>
-              <a:buAutoNum type="romanUcPeriod"/>
-            </a:pPr>
-            <a:r>
-              <a:rPr lang="en-CA" dirty="0"/>
-              <a:t>Commonly used Generalized Linear Models</a:t>
-            </a:r>
-          </a:p>
-          <a:p>
-            <a:pPr marL="571500" indent="-571500">
-              <a:buFont typeface="+mj-lt"/>
-              <a:buAutoNum type="romanUcPeriod"/>
-            </a:pPr>
-            <a:r>
-              <a:rPr lang="en-CA" dirty="0"/>
-              <a:t>Goodness of fit</a:t>
-            </a:r>
-          </a:p>
-          <a:p>
-            <a:pPr marL="571500" indent="-571500">
-              <a:buFont typeface="+mj-lt"/>
-              <a:buAutoNum type="romanUcPeriod"/>
-            </a:pPr>
-            <a:r>
-              <a:rPr lang="en-CA" dirty="0"/>
-              <a:t>Logistic regression</a:t>
-            </a:r>
-          </a:p>
-          <a:p>
-            <a:pPr marL="571500" indent="-571500">
-              <a:buFont typeface="+mj-lt"/>
-              <a:buAutoNum type="romanUcPeriod"/>
-            </a:pPr>
-            <a:r>
-              <a:rPr lang="en-CA" dirty="0"/>
-              <a:t>Poisson regression and beyond</a:t>
-            </a:r>
-          </a:p>
-        </p:txBody>
-      </p:sp>
-    </p:spTree>
-    <p:extLst>
-      <p:ext uri="{BB962C8B-B14F-4D97-AF65-F5344CB8AC3E}">
-        <p14:creationId xmlns:p14="http://schemas.microsoft.com/office/powerpoint/2010/main" val="2722155366"/>
-      </p:ext>
-    </p:extLst>
-  </p:cSld>
-  <p:clrMapOvr>
-    <a:masterClrMapping/>
-  </p:clrMapOvr>
-</p:sld>
-</file>
-
-<file path=ppt/slides/slide3.xml><?xml version="1.0" encoding="utf-8"?>
-<p:sld xmlns:a="http://schemas.openxmlformats.org/drawingml/2006/main" xmlns:r="http://schemas.openxmlformats.org/officeDocument/2006/relationships" xmlns:p="http://schemas.openxmlformats.org/presentationml/2006/main">
-  <p:cSld>
-    <p:spTree>
-      <p:nvGrpSpPr>
-        <p:cNvPr id="1" name=""/>
-        <p:cNvGrpSpPr/>
-        <p:nvPr/>
-      </p:nvGrpSpPr>
-      <p:grpSpPr>
-        <a:xfrm>
-          <a:off x="0" y="0"/>
-          <a:ext cx="0" cy="0"/>
-          <a:chOff x="0" y="0"/>
-          <a:chExt cx="0" cy="0"/>
-        </a:xfrm>
-      </p:grpSpPr>
-      <p:sp>
-        <p:nvSpPr>
-          <p:cNvPr id="2" name="Title 1"/>
-          <p:cNvSpPr>
-            <a:spLocks noGrp="1"/>
-          </p:cNvSpPr>
-          <p:nvPr>
-            <p:ph type="title"/>
-          </p:nvPr>
-        </p:nvSpPr>
-        <p:spPr/>
-        <p:txBody>
-          <a:bodyPr/>
-          <a:lstStyle/>
-          <a:p>
-            <a:r>
-              <a:rPr lang="en-CA" b="1" dirty="0"/>
               <a:t>Background</a:t>
             </a:r>
           </a:p>
@@ -6561,256 +5791,7 @@
 </p:sld>
 </file>
 
-<file path=ppt/slides/slide4.xml><?xml version="1.0" encoding="utf-8"?>
-<p:sld xmlns:a="http://schemas.openxmlformats.org/drawingml/2006/main" xmlns:r="http://schemas.openxmlformats.org/officeDocument/2006/relationships" xmlns:p="http://schemas.openxmlformats.org/presentationml/2006/main">
-  <p:cSld>
-    <p:spTree>
-      <p:nvGrpSpPr>
-        <p:cNvPr id="1" name=""/>
-        <p:cNvGrpSpPr/>
-        <p:nvPr/>
-      </p:nvGrpSpPr>
-      <p:grpSpPr>
-        <a:xfrm>
-          <a:off x="0" y="0"/>
-          <a:ext cx="0" cy="0"/>
-          <a:chOff x="0" y="0"/>
-          <a:chExt cx="0" cy="0"/>
-        </a:xfrm>
-      </p:grpSpPr>
-      <p:sp>
-        <p:nvSpPr>
-          <p:cNvPr id="2" name="Title 1"/>
-          <p:cNvSpPr>
-            <a:spLocks noGrp="1"/>
-          </p:cNvSpPr>
-          <p:nvPr>
-            <p:ph type="title"/>
-          </p:nvPr>
-        </p:nvSpPr>
-        <p:spPr/>
-        <p:txBody>
-          <a:bodyPr/>
-          <a:lstStyle/>
-          <a:p>
-            <a:r>
-              <a:rPr lang="en-CA" b="1" dirty="0"/>
-              <a:t>Background (cont.)</a:t>
-            </a:r>
-          </a:p>
-        </p:txBody>
-      </p:sp>
-      <p:sp>
-        <p:nvSpPr>
-          <p:cNvPr id="3" name="Content Placeholder 2"/>
-          <p:cNvSpPr>
-            <a:spLocks noGrp="1"/>
-          </p:cNvSpPr>
-          <p:nvPr>
-            <p:ph idx="1"/>
-          </p:nvPr>
-        </p:nvSpPr>
-        <p:spPr>
-          <a:xfrm>
-            <a:off x="179512" y="1970593"/>
-            <a:ext cx="8856984" cy="4525963"/>
-          </a:xfrm>
-        </p:spPr>
-        <p:txBody>
-          <a:bodyPr/>
-          <a:lstStyle/>
-          <a:p>
-            <a:pPr marL="0" indent="0">
-              <a:buNone/>
-            </a:pPr>
-            <a:r>
-              <a:rPr lang="en-US" sz="2400" dirty="0"/>
-              <a:t>For the OLS model:</a:t>
-            </a:r>
-          </a:p>
-          <a:p>
-            <a:pPr marL="0" indent="0">
-              <a:buNone/>
-            </a:pPr>
-            <a:endParaRPr lang="en-US" sz="2400" dirty="0"/>
-          </a:p>
-          <a:p>
-            <a:pPr marL="0" indent="0">
-              <a:buNone/>
-            </a:pPr>
-            <a:endParaRPr lang="en-US" sz="2400" dirty="0"/>
-          </a:p>
-          <a:p>
-            <a:pPr marL="0" indent="0">
-              <a:buNone/>
-            </a:pPr>
-            <a:endParaRPr lang="en-US" sz="2400" dirty="0"/>
-          </a:p>
-          <a:p>
-            <a:pPr marL="0" indent="0">
-              <a:buNone/>
-            </a:pPr>
-            <a:endParaRPr lang="en-US" sz="2400" dirty="0"/>
-          </a:p>
-          <a:p>
-            <a:pPr marL="0" indent="0">
-              <a:buNone/>
-            </a:pPr>
-            <a:r>
-              <a:rPr lang="en-US" sz="2400" dirty="0"/>
-              <a:t>For GLM’s, </a:t>
-            </a:r>
-            <a:br>
-              <a:rPr lang="en-US" sz="2400" dirty="0"/>
-            </a:br>
-            <a:r>
-              <a:rPr lang="en-US" sz="2400" dirty="0"/>
-              <a:t>this is extended to:</a:t>
-            </a:r>
-            <a:endParaRPr lang="en-CA" sz="2400" dirty="0"/>
-          </a:p>
-          <a:p>
-            <a:pPr marL="0" indent="0">
-              <a:buNone/>
-            </a:pPr>
-            <a:endParaRPr lang="en-CA" sz="2400" dirty="0"/>
-          </a:p>
-          <a:p>
-            <a:pPr marL="0" indent="0">
-              <a:buNone/>
-            </a:pPr>
-            <a:endParaRPr lang="en-CA" dirty="0"/>
-          </a:p>
-        </p:txBody>
-      </p:sp>
-      <p:graphicFrame>
-        <p:nvGraphicFramePr>
-          <p:cNvPr id="4" name="Object 3"/>
-          <p:cNvGraphicFramePr>
-            <a:graphicFrameLocks noChangeAspect="1"/>
-          </p:cNvGraphicFramePr>
-          <p:nvPr>
-            <p:extLst>
-              <p:ext uri="{D42A27DB-BD31-4B8C-83A1-F6EECF244321}">
-                <p14:modId xmlns:p14="http://schemas.microsoft.com/office/powerpoint/2010/main" val="1980934129"/>
-              </p:ext>
-            </p:extLst>
-          </p:nvPr>
-        </p:nvGraphicFramePr>
-        <p:xfrm>
-          <a:off x="3203848" y="1855177"/>
-          <a:ext cx="3160538" cy="1721594"/>
-        </p:xfrm>
-        <a:graphic>
-          <a:graphicData uri="http://schemas.openxmlformats.org/presentationml/2006/ole">
-            <mc:AlternateContent xmlns:mc="http://schemas.openxmlformats.org/markup-compatibility/2006">
-              <mc:Choice xmlns:v="urn:schemas-microsoft-com:vml" Requires="v">
-                <p:oleObj spid="_x0000_s1416" name="Equation" r:id="rId3" imgW="1562040" imgH="850680" progId="Equation.3">
-                  <p:embed/>
-                </p:oleObj>
-              </mc:Choice>
-              <mc:Fallback>
-                <p:oleObj name="Equation" r:id="rId3" imgW="1562040" imgH="850680" progId="Equation.3">
-                  <p:embed/>
-                  <p:pic>
-                    <p:nvPicPr>
-                      <p:cNvPr id="0" name=""/>
-                      <p:cNvPicPr/>
-                      <p:nvPr/>
-                    </p:nvPicPr>
-                    <p:blipFill>
-                      <a:blip r:embed="rId4"/>
-                      <a:stretch>
-                        <a:fillRect/>
-                      </a:stretch>
-                    </p:blipFill>
-                    <p:spPr>
-                      <a:xfrm>
-                        <a:off x="3203848" y="1855177"/>
-                        <a:ext cx="3160538" cy="1721594"/>
-                      </a:xfrm>
-                      <a:prstGeom prst="rect">
-                        <a:avLst/>
-                      </a:prstGeom>
-                    </p:spPr>
-                  </p:pic>
-                </p:oleObj>
-              </mc:Fallback>
-            </mc:AlternateContent>
-          </a:graphicData>
-        </a:graphic>
-      </p:graphicFrame>
-      <p:graphicFrame>
-        <p:nvGraphicFramePr>
-          <p:cNvPr id="5" name="Object 4"/>
-          <p:cNvGraphicFramePr>
-            <a:graphicFrameLocks noChangeAspect="1"/>
-          </p:cNvGraphicFramePr>
-          <p:nvPr>
-            <p:extLst>
-              <p:ext uri="{D42A27DB-BD31-4B8C-83A1-F6EECF244321}">
-                <p14:modId xmlns:p14="http://schemas.microsoft.com/office/powerpoint/2010/main" val="2392446196"/>
-              </p:ext>
-            </p:extLst>
-          </p:nvPr>
-        </p:nvGraphicFramePr>
-        <p:xfrm>
-          <a:off x="3131840" y="4087425"/>
-          <a:ext cx="5088815" cy="2448272"/>
-        </p:xfrm>
-        <a:graphic>
-          <a:graphicData uri="http://schemas.openxmlformats.org/presentationml/2006/ole">
-            <mc:AlternateContent xmlns:mc="http://schemas.openxmlformats.org/markup-compatibility/2006">
-              <mc:Choice xmlns:v="urn:schemas-microsoft-com:vml" Requires="v">
-                <p:oleObj spid="_x0000_s1417" name="Equation" r:id="rId5" imgW="3009600" imgH="1447560" progId="Equation.3">
-                  <p:embed/>
-                </p:oleObj>
-              </mc:Choice>
-              <mc:Fallback>
-                <p:oleObj name="Equation" r:id="rId5" imgW="3009600" imgH="1447560" progId="Equation.3">
-                  <p:embed/>
-                  <p:pic>
-                    <p:nvPicPr>
-                      <p:cNvPr id="0" name=""/>
-                      <p:cNvPicPr/>
-                      <p:nvPr/>
-                    </p:nvPicPr>
-                    <p:blipFill>
-                      <a:blip r:embed="rId6"/>
-                      <a:stretch>
-                        <a:fillRect/>
-                      </a:stretch>
-                    </p:blipFill>
-                    <p:spPr>
-                      <a:xfrm>
-                        <a:off x="3131840" y="4087425"/>
-                        <a:ext cx="5088815" cy="2448272"/>
-                      </a:xfrm>
-                      <a:prstGeom prst="rect">
-                        <a:avLst/>
-                      </a:prstGeom>
-                    </p:spPr>
-                  </p:pic>
-                </p:oleObj>
-              </mc:Fallback>
-            </mc:AlternateContent>
-          </a:graphicData>
-        </a:graphic>
-      </p:graphicFrame>
-    </p:spTree>
-    <p:extLst>
-      <p:ext uri="{BB962C8B-B14F-4D97-AF65-F5344CB8AC3E}">
-        <p14:creationId xmlns:p14="http://schemas.microsoft.com/office/powerpoint/2010/main" val="3058145964"/>
-      </p:ext>
-    </p:extLst>
-  </p:cSld>
-  <p:clrMapOvr>
-    <a:masterClrMapping/>
-  </p:clrMapOvr>
-</p:sld>
-</file>
-
-<file path=ppt/slides/slide5.xml><?xml version="1.0" encoding="utf-8"?>
+<file path=ppt/slides/slide3.xml><?xml version="1.0" encoding="utf-8"?>
 <p:sld xmlns:a="http://schemas.openxmlformats.org/drawingml/2006/main" xmlns:r="http://schemas.openxmlformats.org/officeDocument/2006/relationships" xmlns:p="http://schemas.openxmlformats.org/presentationml/2006/main">
   <p:cSld>
     <p:spTree>
@@ -7025,6 +6006,10 @@
                     </m:d>
                   </m:oMath>
                 </a14:m>
+                <a:r>
+                  <a:rPr lang="en-CA" dirty="0"/>
+                  <a:t/>
+                </a:r>
                 <a:br>
                   <a:rPr lang="en-CA" dirty="0"/>
                 </a:br>
@@ -7108,6 +6093,10 @@
                     </m:d>
                   </m:oMath>
                 </a14:m>
+                <a:r>
+                  <a:rPr lang="en-CA" b="0" dirty="0"/>
+                  <a:t/>
+                </a:r>
                 <a:br>
                   <a:rPr lang="en-CA" b="0" dirty="0"/>
                 </a:br>
@@ -7286,6 +6275,308 @@
 </p:sld>
 </file>
 
+<file path=ppt/slides/slide4.xml><?xml version="1.0" encoding="utf-8"?>
+<p:sld xmlns:a="http://schemas.openxmlformats.org/drawingml/2006/main" xmlns:r="http://schemas.openxmlformats.org/officeDocument/2006/relationships" xmlns:p="http://schemas.openxmlformats.org/presentationml/2006/main">
+  <p:cSld>
+    <p:spTree>
+      <p:nvGrpSpPr>
+        <p:cNvPr id="1" name=""/>
+        <p:cNvGrpSpPr/>
+        <p:nvPr/>
+      </p:nvGrpSpPr>
+      <p:grpSpPr>
+        <a:xfrm>
+          <a:off x="0" y="0"/>
+          <a:ext cx="0" cy="0"/>
+          <a:chOff x="0" y="0"/>
+          <a:chExt cx="0" cy="0"/>
+        </a:xfrm>
+      </p:grpSpPr>
+      <p:sp>
+        <p:nvSpPr>
+          <p:cNvPr id="2" name="Title 1"/>
+          <p:cNvSpPr>
+            <a:spLocks noGrp="1"/>
+          </p:cNvSpPr>
+          <p:nvPr>
+            <p:ph type="title"/>
+          </p:nvPr>
+        </p:nvSpPr>
+        <p:spPr/>
+        <p:txBody>
+          <a:bodyPr/>
+          <a:lstStyle/>
+          <a:p>
+            <a:r>
+              <a:rPr lang="en-CA" b="1" dirty="0"/>
+              <a:t>Commonly Used GLM’s</a:t>
+            </a:r>
+          </a:p>
+        </p:txBody>
+      </p:sp>
+      <p:sp>
+        <p:nvSpPr>
+          <p:cNvPr id="3" name="Content Placeholder 2"/>
+          <p:cNvSpPr>
+            <a:spLocks noGrp="1"/>
+          </p:cNvSpPr>
+          <p:nvPr>
+            <p:ph idx="1"/>
+          </p:nvPr>
+        </p:nvSpPr>
+        <p:spPr/>
+        <p:txBody>
+          <a:bodyPr>
+            <a:normAutofit fontScale="85000" lnSpcReduction="20000"/>
+          </a:bodyPr>
+          <a:lstStyle/>
+          <a:p>
+            <a:pPr marL="0" indent="0">
+              <a:buNone/>
+            </a:pPr>
+            <a:r>
+              <a:rPr lang="en-CA" dirty="0"/>
+              <a:t>1.  OLS model: y is continuous, LINK=identity, DIST=normal</a:t>
+            </a:r>
+          </a:p>
+          <a:p>
+            <a:pPr marL="0" indent="0">
+              <a:buNone/>
+            </a:pPr>
+            <a:endParaRPr lang="en-CA" dirty="0"/>
+          </a:p>
+          <a:p>
+            <a:pPr marL="0" indent="0">
+              <a:buNone/>
+            </a:pPr>
+            <a:r>
+              <a:rPr lang="en-CA" dirty="0"/>
+              <a:t>2. Logistic Regression: y is a proportion (or a 0,1 Bernoulli variable), LINK=</a:t>
+            </a:r>
+            <a:r>
+              <a:rPr lang="en-CA" dirty="0" err="1"/>
+              <a:t>logit</a:t>
+            </a:r>
+            <a:r>
+              <a:rPr lang="en-CA" dirty="0"/>
+              <a:t>, DIST=binomial</a:t>
+            </a:r>
+          </a:p>
+          <a:p>
+            <a:pPr marL="0" indent="0">
+              <a:buNone/>
+            </a:pPr>
+            <a:endParaRPr lang="en-CA" dirty="0"/>
+          </a:p>
+          <a:p>
+            <a:pPr marL="0" indent="0">
+              <a:buNone/>
+            </a:pPr>
+            <a:r>
+              <a:rPr lang="en-CA" dirty="0"/>
+              <a:t>3.  Poisson Regression, log linear model: y is a count (no natural denominator, else use y as a proportion), LINK=log, DIST=Poisson</a:t>
+            </a:r>
+          </a:p>
+          <a:p>
+            <a:pPr marL="0" indent="0">
+              <a:buNone/>
+            </a:pPr>
+            <a:endParaRPr lang="en-CA" dirty="0"/>
+          </a:p>
+          <a:p>
+            <a:pPr marL="0" indent="0">
+              <a:buNone/>
+            </a:pPr>
+            <a:r>
+              <a:rPr lang="en-CA" dirty="0"/>
+              <a:t>4. Count using Negative Binomial: y is a count (no natural denominator, else use y as a proportion), LINK=log, DIST=</a:t>
+            </a:r>
+            <a:r>
+              <a:rPr lang="en-CA" dirty="0" err="1"/>
+              <a:t>negbin</a:t>
+            </a:r>
+            <a:endParaRPr lang="en-CA" dirty="0"/>
+          </a:p>
+          <a:p>
+            <a:pPr marL="0" indent="0">
+              <a:buNone/>
+            </a:pPr>
+            <a:endParaRPr lang="en-CA" dirty="0"/>
+          </a:p>
+          <a:p>
+            <a:pPr marL="0" indent="0">
+              <a:buNone/>
+            </a:pPr>
+            <a:r>
+              <a:rPr lang="en-CA" dirty="0"/>
+              <a:t>5. Gamma Model with log linear model:  y is a positive continuous variable, LINK=log, DIST=gamma.</a:t>
+            </a:r>
+          </a:p>
+          <a:p>
+            <a:pPr marL="0" indent="0">
+              <a:buNone/>
+            </a:pPr>
+            <a:endParaRPr lang="en-CA" dirty="0"/>
+          </a:p>
+        </p:txBody>
+      </p:sp>
+    </p:spTree>
+    <p:extLst>
+      <p:ext uri="{BB962C8B-B14F-4D97-AF65-F5344CB8AC3E}">
+        <p14:creationId xmlns:p14="http://schemas.microsoft.com/office/powerpoint/2010/main" val="3936430716"/>
+      </p:ext>
+    </p:extLst>
+  </p:cSld>
+  <p:clrMapOvr>
+    <a:masterClrMapping/>
+  </p:clrMapOvr>
+</p:sld>
+</file>
+
+<file path=ppt/slides/slide5.xml><?xml version="1.0" encoding="utf-8"?>
+<p:sld xmlns:a="http://schemas.openxmlformats.org/drawingml/2006/main" xmlns:r="http://schemas.openxmlformats.org/officeDocument/2006/relationships" xmlns:p="http://schemas.openxmlformats.org/presentationml/2006/main">
+  <p:cSld>
+    <p:spTree>
+      <p:nvGrpSpPr>
+        <p:cNvPr id="1" name=""/>
+        <p:cNvGrpSpPr/>
+        <p:nvPr/>
+      </p:nvGrpSpPr>
+      <p:grpSpPr>
+        <a:xfrm>
+          <a:off x="0" y="0"/>
+          <a:ext cx="0" cy="0"/>
+          <a:chOff x="0" y="0"/>
+          <a:chExt cx="0" cy="0"/>
+        </a:xfrm>
+      </p:grpSpPr>
+      <p:sp>
+        <p:nvSpPr>
+          <p:cNvPr id="2" name="Title 1"/>
+          <p:cNvSpPr>
+            <a:spLocks noGrp="1"/>
+          </p:cNvSpPr>
+          <p:nvPr>
+            <p:ph type="title"/>
+          </p:nvPr>
+        </p:nvSpPr>
+        <p:spPr/>
+        <p:txBody>
+          <a:bodyPr>
+            <a:normAutofit/>
+          </a:bodyPr>
+          <a:lstStyle/>
+          <a:p>
+            <a:r>
+              <a:rPr lang="en-US" b="1" dirty="0"/>
+              <a:t>Under/</a:t>
+            </a:r>
+            <a:r>
+              <a:rPr lang="en-US" b="1" dirty="0" err="1"/>
+              <a:t>Overdispersion</a:t>
+            </a:r>
+            <a:endParaRPr lang="en-CA" dirty="0"/>
+          </a:p>
+        </p:txBody>
+      </p:sp>
+      <p:sp>
+        <p:nvSpPr>
+          <p:cNvPr id="3" name="Content Placeholder 2"/>
+          <p:cNvSpPr>
+            <a:spLocks noGrp="1"/>
+          </p:cNvSpPr>
+          <p:nvPr>
+            <p:ph idx="1"/>
+          </p:nvPr>
+        </p:nvSpPr>
+        <p:spPr/>
+        <p:txBody>
+          <a:bodyPr>
+            <a:normAutofit/>
+          </a:bodyPr>
+          <a:lstStyle/>
+          <a:p>
+            <a:pPr marL="0" indent="0">
+              <a:buNone/>
+            </a:pPr>
+            <a:r>
+              <a:rPr lang="en-US" sz="2800" dirty="0"/>
+              <a:t>If default variance for specified distribution does not match the data: </a:t>
+            </a:r>
+          </a:p>
+          <a:p>
+            <a:pPr lvl="1"/>
+            <a:r>
+              <a:rPr lang="en-US" sz="2400" dirty="0"/>
+              <a:t>data are </a:t>
+            </a:r>
+            <a:r>
+              <a:rPr lang="en-US" sz="2400" i="1" dirty="0"/>
+              <a:t>over-</a:t>
+            </a:r>
+            <a:r>
+              <a:rPr lang="en-US" sz="2400" dirty="0"/>
+              <a:t> or </a:t>
+            </a:r>
+            <a:r>
+              <a:rPr lang="en-US" sz="2400" i="1" dirty="0" err="1"/>
+              <a:t>underdispersed</a:t>
+            </a:r>
+            <a:r>
+              <a:rPr lang="en-US" sz="2400" i="1" dirty="0"/>
+              <a:t>.</a:t>
+            </a:r>
+            <a:r>
+              <a:rPr lang="en-US" sz="2400" dirty="0"/>
+              <a:t> </a:t>
+            </a:r>
+          </a:p>
+          <a:p>
+            <a:pPr lvl="1"/>
+            <a:r>
+              <a:rPr lang="en-US" sz="2400" dirty="0"/>
+              <a:t>Can happen with Poisson, binomial, </a:t>
+            </a:r>
+            <a:r>
+              <a:rPr lang="en-US" sz="2400" dirty="0" err="1"/>
+              <a:t>negbin</a:t>
+            </a:r>
+            <a:endParaRPr lang="en-US" sz="2400" dirty="0"/>
+          </a:p>
+          <a:p>
+            <a:pPr lvl="1"/>
+            <a:r>
+              <a:rPr lang="en-US" sz="2400" dirty="0" err="1"/>
+              <a:t>Overdispersion</a:t>
+            </a:r>
+            <a:r>
+              <a:rPr lang="en-US" sz="2400" dirty="0"/>
+              <a:t> factor can be added to the variance function and an estimate of this found by MLE along with the other parameters.</a:t>
+            </a:r>
+          </a:p>
+          <a:p>
+            <a:pPr lvl="1"/>
+            <a:r>
+              <a:rPr lang="en-US" sz="2400" dirty="0"/>
+              <a:t>Alternatively: another distribution may be more appropriate (e.g., switch to negative binomial for count data).</a:t>
+            </a:r>
+            <a:endParaRPr lang="en-CA" sz="2400" dirty="0"/>
+          </a:p>
+        </p:txBody>
+      </p:sp>
+    </p:spTree>
+    <p:extLst>
+      <p:ext uri="{BB962C8B-B14F-4D97-AF65-F5344CB8AC3E}">
+        <p14:creationId xmlns:p14="http://schemas.microsoft.com/office/powerpoint/2010/main" val="975113738"/>
+      </p:ext>
+    </p:extLst>
+  </p:cSld>
+  <p:clrMapOvr>
+    <a:masterClrMapping/>
+  </p:clrMapOvr>
+</p:sld>
+</file>
+
 <file path=ppt/slides/slide6.xml><?xml version="1.0" encoding="utf-8"?>
 <p:sld xmlns:a="http://schemas.openxmlformats.org/drawingml/2006/main" xmlns:r="http://schemas.openxmlformats.org/officeDocument/2006/relationships" xmlns:p="http://schemas.openxmlformats.org/presentationml/2006/main">
   <p:cSld>
@@ -7320,7 +6611,7 @@
           <a:p>
             <a:r>
               <a:rPr lang="en-CA" b="1" dirty="0"/>
-              <a:t>Commonly Used GLM’s</a:t>
+              <a:t>Model Goodness of Fit</a:t>
             </a:r>
           </a:p>
         </p:txBody>
@@ -7338,103 +6629,95 @@
         <p:spPr/>
         <p:txBody>
           <a:bodyPr>
-            <a:normAutofit fontScale="85000" lnSpcReduction="20000"/>
+            <a:noAutofit/>
           </a:bodyPr>
           <a:lstStyle/>
           <a:p>
-            <a:pPr marL="0" indent="0">
-              <a:buNone/>
-            </a:pPr>
-            <a:r>
-              <a:rPr lang="en-CA" dirty="0"/>
-              <a:t>1.  OLS model: y is continuous, LINK=identity, DIST=normal</a:t>
-            </a:r>
-          </a:p>
-          <a:p>
-            <a:pPr marL="0" indent="0">
-              <a:buNone/>
-            </a:pPr>
-            <a:endParaRPr lang="en-CA" dirty="0"/>
-          </a:p>
-          <a:p>
-            <a:pPr marL="0" indent="0">
-              <a:buNone/>
-            </a:pPr>
-            <a:r>
-              <a:rPr lang="en-CA" dirty="0"/>
-              <a:t>2. Logistic Regression: y is a proportion (or a 0,1 Bernoulli variable), LINK=</a:t>
-            </a:r>
-            <a:r>
-              <a:rPr lang="en-CA" dirty="0" err="1"/>
-              <a:t>logit</a:t>
-            </a:r>
-            <a:r>
-              <a:rPr lang="en-CA" dirty="0"/>
-              <a:t>, DIST=binomial</a:t>
-            </a:r>
-          </a:p>
-          <a:p>
-            <a:pPr marL="0" indent="0">
-              <a:buNone/>
-            </a:pPr>
-            <a:endParaRPr lang="en-CA" dirty="0"/>
-          </a:p>
-          <a:p>
-            <a:pPr marL="0" indent="0">
-              <a:buNone/>
-            </a:pPr>
-            <a:r>
-              <a:rPr lang="en-CA" dirty="0"/>
-              <a:t>3.  Poisson Regression, log linear model: y is a count (no natural denominator, else use y as a proportion), LINK=log, DIST=Poisson</a:t>
-            </a:r>
-          </a:p>
-          <a:p>
-            <a:pPr marL="0" indent="0">
-              <a:buNone/>
-            </a:pPr>
-            <a:endParaRPr lang="en-CA" dirty="0"/>
-          </a:p>
-          <a:p>
-            <a:pPr marL="0" indent="0">
-              <a:buNone/>
-            </a:pPr>
-            <a:r>
-              <a:rPr lang="en-CA" dirty="0"/>
-              <a:t>4. Count using Negative Binomial: y is a count (no natural denominator, else use y as a proportion), LINK=log, DIST=</a:t>
-            </a:r>
-            <a:r>
-              <a:rPr lang="en-CA" dirty="0" err="1"/>
-              <a:t>negbin</a:t>
-            </a:r>
-            <a:endParaRPr lang="en-CA" dirty="0"/>
-          </a:p>
-          <a:p>
-            <a:pPr marL="0" indent="0">
-              <a:buNone/>
-            </a:pPr>
-            <a:endParaRPr lang="en-CA" dirty="0"/>
-          </a:p>
-          <a:p>
-            <a:pPr marL="0" indent="0">
-              <a:buNone/>
-            </a:pPr>
-            <a:r>
-              <a:rPr lang="en-CA" dirty="0"/>
-              <a:t>5. Gamma Model with log linear model:  y is a positive continuous variable, LINK=log, DIST=gamma.</a:t>
-            </a:r>
-          </a:p>
-          <a:p>
-            <a:pPr marL="0" indent="0">
-              <a:buNone/>
-            </a:pPr>
-            <a:endParaRPr lang="en-CA" dirty="0"/>
+            <a:pPr lvl="0"/>
+            <a:r>
+              <a:rPr lang="en-US" sz="2400" u="sng" dirty="0"/>
+              <a:t>Asymptotic z-test </a:t>
+            </a:r>
+            <a:r>
+              <a:rPr lang="en-US" sz="2400" dirty="0"/>
+              <a:t>for individual coefficients.</a:t>
+            </a:r>
+            <a:br>
+              <a:rPr lang="en-US" sz="2400" dirty="0"/>
+            </a:br>
+            <a:endParaRPr lang="en-CA" sz="2400" dirty="0"/>
+          </a:p>
+          <a:p>
+            <a:r>
+              <a:rPr lang="en-US" sz="2400" u="sng" dirty="0"/>
+              <a:t>Likelihood ratio test</a:t>
+            </a:r>
+            <a:r>
+              <a:rPr lang="en-US" sz="2400" dirty="0"/>
+              <a:t> for nested models. Better models have higher likelihood (or log likelihood), which is the same as saying the -2 </a:t>
+            </a:r>
+            <a:r>
+              <a:rPr lang="en-US" sz="2400" dirty="0" err="1"/>
+              <a:t>lnL</a:t>
+            </a:r>
+            <a:r>
+              <a:rPr lang="en-US" sz="2400" dirty="0"/>
+              <a:t> is smaller.</a:t>
+            </a:r>
+            <a:endParaRPr lang="en-CA" sz="2400" dirty="0"/>
+          </a:p>
+          <a:p>
+            <a:pPr lvl="0"/>
+            <a:endParaRPr lang="en-US" sz="2400" dirty="0"/>
+          </a:p>
+          <a:p>
+            <a:r>
+              <a:rPr lang="en-US" sz="2400" u="sng" dirty="0"/>
+              <a:t>Pseudo R squared </a:t>
+            </a:r>
+            <a:r>
+              <a:rPr lang="en-US" sz="2400" dirty="0"/>
+              <a:t>value, based on </a:t>
+            </a:r>
+            <a:r>
+              <a:rPr lang="en-US" sz="2400" dirty="0" err="1"/>
+              <a:t>lnL</a:t>
+            </a:r>
+            <a:r>
+              <a:rPr lang="en-US" sz="2400" dirty="0"/>
+              <a:t> of the model versus </a:t>
+            </a:r>
+            <a:r>
+              <a:rPr lang="en-US" sz="2400" dirty="0" err="1"/>
+              <a:t>lnL</a:t>
+            </a:r>
+            <a:r>
+              <a:rPr lang="en-US" sz="2400" dirty="0"/>
+              <a:t> for a “null model” with only the intercept (no explanatory variables), to obtain a similar interpretation to R</a:t>
+            </a:r>
+            <a:r>
+              <a:rPr lang="en-US" sz="2400" baseline="30000" dirty="0"/>
+              <a:t>2</a:t>
+            </a:r>
+            <a:r>
+              <a:rPr lang="en-US" sz="2400" dirty="0"/>
+              <a:t> for linear models.  </a:t>
+            </a:r>
+            <a:endParaRPr lang="en-CA" sz="2400" dirty="0"/>
+          </a:p>
+          <a:p>
+            <a:pPr lvl="0"/>
+            <a:endParaRPr lang="en-CA" sz="2400" dirty="0"/>
+          </a:p>
+          <a:p>
+            <a:endParaRPr lang="en-CA" sz="2400" dirty="0"/>
           </a:p>
         </p:txBody>
       </p:sp>
     </p:spTree>
     <p:extLst>
       <p:ext uri="{BB962C8B-B14F-4D97-AF65-F5344CB8AC3E}">
-        <p14:creationId xmlns:p14="http://schemas.microsoft.com/office/powerpoint/2010/main" val="3936430716"/>
+        <p14:creationId xmlns:p14="http://schemas.microsoft.com/office/powerpoint/2010/main" val="553474"/>
       </p:ext>
     </p:extLst>
   </p:cSld>
@@ -7473,150 +6756,6 @@
         </p:nvSpPr>
         <p:spPr/>
         <p:txBody>
-          <a:bodyPr>
-            <a:normAutofit/>
-          </a:bodyPr>
-          <a:lstStyle/>
-          <a:p>
-            <a:r>
-              <a:rPr lang="en-US" b="1" dirty="0"/>
-              <a:t>Under/</a:t>
-            </a:r>
-            <a:r>
-              <a:rPr lang="en-US" b="1" dirty="0" err="1"/>
-              <a:t>Overdispersion</a:t>
-            </a:r>
-            <a:endParaRPr lang="en-CA" dirty="0"/>
-          </a:p>
-        </p:txBody>
-      </p:sp>
-      <p:sp>
-        <p:nvSpPr>
-          <p:cNvPr id="3" name="Content Placeholder 2"/>
-          <p:cNvSpPr>
-            <a:spLocks noGrp="1"/>
-          </p:cNvSpPr>
-          <p:nvPr>
-            <p:ph idx="1"/>
-          </p:nvPr>
-        </p:nvSpPr>
-        <p:spPr/>
-        <p:txBody>
-          <a:bodyPr>
-            <a:normAutofit/>
-          </a:bodyPr>
-          <a:lstStyle/>
-          <a:p>
-            <a:pPr marL="0" indent="0">
-              <a:buNone/>
-            </a:pPr>
-            <a:r>
-              <a:rPr lang="en-US" sz="2800" dirty="0"/>
-              <a:t>If default variance for specified distribution does not match the data: </a:t>
-            </a:r>
-          </a:p>
-          <a:p>
-            <a:pPr lvl="1"/>
-            <a:r>
-              <a:rPr lang="en-US" sz="2400" dirty="0"/>
-              <a:t>data are </a:t>
-            </a:r>
-            <a:r>
-              <a:rPr lang="en-US" sz="2400" i="1" dirty="0"/>
-              <a:t>over-</a:t>
-            </a:r>
-            <a:r>
-              <a:rPr lang="en-US" sz="2400" dirty="0"/>
-              <a:t> or </a:t>
-            </a:r>
-            <a:r>
-              <a:rPr lang="en-US" sz="2400" i="1" dirty="0" err="1"/>
-              <a:t>underdispersed</a:t>
-            </a:r>
-            <a:r>
-              <a:rPr lang="en-US" sz="2400" i="1" dirty="0"/>
-              <a:t>.</a:t>
-            </a:r>
-            <a:r>
-              <a:rPr lang="en-US" sz="2400" dirty="0"/>
-              <a:t> </a:t>
-            </a:r>
-          </a:p>
-          <a:p>
-            <a:pPr lvl="1"/>
-            <a:r>
-              <a:rPr lang="en-US" sz="2400" dirty="0"/>
-              <a:t>Can happen with Poisson, binomial, </a:t>
-            </a:r>
-            <a:r>
-              <a:rPr lang="en-US" sz="2400" dirty="0" err="1"/>
-              <a:t>negbin</a:t>
-            </a:r>
-            <a:endParaRPr lang="en-US" sz="2400" dirty="0"/>
-          </a:p>
-          <a:p>
-            <a:pPr lvl="1"/>
-            <a:r>
-              <a:rPr lang="en-US" sz="2400" dirty="0" err="1"/>
-              <a:t>Overdispersion</a:t>
-            </a:r>
-            <a:r>
-              <a:rPr lang="en-US" sz="2400" dirty="0"/>
-              <a:t> factor can be added to the variance function and an estimate of this found by MLE along with the other parameters.</a:t>
-            </a:r>
-          </a:p>
-          <a:p>
-            <a:pPr lvl="1"/>
-            <a:r>
-              <a:rPr lang="en-US" sz="2400" dirty="0"/>
-              <a:t>Alternatively: another distribution may be more appropriate (e.g., switch to negative binomial for count data).</a:t>
-            </a:r>
-            <a:endParaRPr lang="en-CA" sz="2400" dirty="0"/>
-          </a:p>
-        </p:txBody>
-      </p:sp>
-    </p:spTree>
-    <p:extLst>
-      <p:ext uri="{BB962C8B-B14F-4D97-AF65-F5344CB8AC3E}">
-        <p14:creationId xmlns:p14="http://schemas.microsoft.com/office/powerpoint/2010/main" val="975113738"/>
-      </p:ext>
-    </p:extLst>
-  </p:cSld>
-  <p:clrMapOvr>
-    <a:masterClrMapping/>
-  </p:clrMapOvr>
-</p:sld>
-</file>
-
-<file path=ppt/slides/slide8.xml><?xml version="1.0" encoding="utf-8"?>
-<p:sld xmlns:a="http://schemas.openxmlformats.org/drawingml/2006/main" xmlns:r="http://schemas.openxmlformats.org/officeDocument/2006/relationships" xmlns:p="http://schemas.openxmlformats.org/presentationml/2006/main">
-  <p:cSld>
-    <p:spTree>
-      <p:nvGrpSpPr>
-        <p:cNvPr id="1" name=""/>
-        <p:cNvGrpSpPr/>
-        <p:nvPr/>
-      </p:nvGrpSpPr>
-      <p:grpSpPr>
-        <a:xfrm>
-          <a:off x="0" y="0"/>
-          <a:ext cx="0" cy="0"/>
-          <a:chOff x="0" y="0"/>
-          <a:chExt cx="0" cy="0"/>
-        </a:xfrm>
-      </p:grpSpPr>
-      <p:sp>
-        <p:nvSpPr>
-          <p:cNvPr id="2" name="Title 1"/>
-          <p:cNvSpPr>
-            <a:spLocks noGrp="1"/>
-          </p:cNvSpPr>
-          <p:nvPr>
-            <p:ph type="title"/>
-          </p:nvPr>
-        </p:nvSpPr>
-        <p:spPr/>
-        <p:txBody>
           <a:bodyPr/>
           <a:lstStyle/>
           <a:p>
@@ -7627,158 +6766,8 @@
           </a:p>
         </p:txBody>
       </p:sp>
-      <p:sp>
-        <p:nvSpPr>
-          <p:cNvPr id="3" name="Content Placeholder 2"/>
-          <p:cNvSpPr>
-            <a:spLocks noGrp="1"/>
-          </p:cNvSpPr>
-          <p:nvPr>
-            <p:ph idx="1"/>
-          </p:nvPr>
-        </p:nvSpPr>
-        <p:spPr/>
-        <p:txBody>
-          <a:bodyPr>
-            <a:noAutofit/>
-          </a:bodyPr>
-          <a:lstStyle/>
-          <a:p>
-            <a:pPr lvl="0"/>
-            <a:r>
-              <a:rPr lang="en-US" sz="2400" u="sng" dirty="0"/>
-              <a:t>Asymptotic z-test </a:t>
-            </a:r>
-            <a:r>
-              <a:rPr lang="en-US" sz="2400" dirty="0"/>
-              <a:t>for individual coefficients.</a:t>
-            </a:r>
-            <a:br>
-              <a:rPr lang="en-US" sz="2400" dirty="0"/>
-            </a:br>
-            <a:endParaRPr lang="en-CA" sz="2400" dirty="0"/>
-          </a:p>
-          <a:p>
-            <a:r>
-              <a:rPr lang="en-US" sz="2400" u="sng" dirty="0"/>
-              <a:t>Likelihood ratio test</a:t>
-            </a:r>
-            <a:r>
-              <a:rPr lang="en-US" sz="2400" dirty="0"/>
-              <a:t> for nested models. Better models have higher likelihood (or log likelihood), which is the same as saying the -2 </a:t>
-            </a:r>
-            <a:r>
-              <a:rPr lang="en-US" sz="2400" dirty="0" err="1"/>
-              <a:t>lnL</a:t>
-            </a:r>
-            <a:r>
-              <a:rPr lang="en-US" sz="2400" dirty="0"/>
-              <a:t> is smaller.</a:t>
-            </a:r>
-            <a:endParaRPr lang="en-CA" sz="2400" dirty="0"/>
-          </a:p>
-          <a:p>
-            <a:pPr lvl="0"/>
-            <a:endParaRPr lang="en-US" sz="2400" dirty="0"/>
-          </a:p>
-          <a:p>
-            <a:r>
-              <a:rPr lang="en-US" sz="2400" u="sng" dirty="0"/>
-              <a:t>Pseudo R squared </a:t>
-            </a:r>
-            <a:r>
-              <a:rPr lang="en-US" sz="2400" dirty="0"/>
-              <a:t>value, based on </a:t>
-            </a:r>
-            <a:r>
-              <a:rPr lang="en-US" sz="2400" dirty="0" err="1"/>
-              <a:t>lnL</a:t>
-            </a:r>
-            <a:r>
-              <a:rPr lang="en-US" sz="2400" dirty="0"/>
-              <a:t> of the model versus </a:t>
-            </a:r>
-            <a:r>
-              <a:rPr lang="en-US" sz="2400" dirty="0" err="1"/>
-              <a:t>lnL</a:t>
-            </a:r>
-            <a:r>
-              <a:rPr lang="en-US" sz="2400" dirty="0"/>
-              <a:t> for a “null model” with only the intercept (no explanatory variables), to obtain a similar interpretation to R</a:t>
-            </a:r>
-            <a:r>
-              <a:rPr lang="en-US" sz="2400" baseline="30000" dirty="0"/>
-              <a:t>2</a:t>
-            </a:r>
-            <a:r>
-              <a:rPr lang="en-US" sz="2400" dirty="0"/>
-              <a:t> for linear models.  </a:t>
-            </a:r>
-            <a:endParaRPr lang="en-CA" sz="2400" dirty="0"/>
-          </a:p>
-          <a:p>
-            <a:pPr lvl="0"/>
-            <a:endParaRPr lang="en-CA" sz="2400" dirty="0"/>
-          </a:p>
-          <a:p>
-            <a:endParaRPr lang="en-CA" sz="2400" dirty="0"/>
-          </a:p>
-        </p:txBody>
-      </p:sp>
-    </p:spTree>
-    <p:extLst>
-      <p:ext uri="{BB962C8B-B14F-4D97-AF65-F5344CB8AC3E}">
-        <p14:creationId xmlns:p14="http://schemas.microsoft.com/office/powerpoint/2010/main" val="553474"/>
-      </p:ext>
-    </p:extLst>
-  </p:cSld>
-  <p:clrMapOvr>
-    <a:masterClrMapping/>
-  </p:clrMapOvr>
-</p:sld>
-</file>
-
-<file path=ppt/slides/slide9.xml><?xml version="1.0" encoding="utf-8"?>
-<p:sld xmlns:a="http://schemas.openxmlformats.org/drawingml/2006/main" xmlns:r="http://schemas.openxmlformats.org/officeDocument/2006/relationships" xmlns:p="http://schemas.openxmlformats.org/presentationml/2006/main">
-  <p:cSld>
-    <p:spTree>
-      <p:nvGrpSpPr>
-        <p:cNvPr id="1" name=""/>
-        <p:cNvGrpSpPr/>
-        <p:nvPr/>
-      </p:nvGrpSpPr>
-      <p:grpSpPr>
-        <a:xfrm>
-          <a:off x="0" y="0"/>
-          <a:ext cx="0" cy="0"/>
-          <a:chOff x="0" y="0"/>
-          <a:chExt cx="0" cy="0"/>
-        </a:xfrm>
-      </p:grpSpPr>
-      <p:sp>
-        <p:nvSpPr>
-          <p:cNvPr id="2" name="Title 1"/>
-          <p:cNvSpPr>
-            <a:spLocks noGrp="1"/>
-          </p:cNvSpPr>
-          <p:nvPr>
-            <p:ph type="title"/>
-          </p:nvPr>
-        </p:nvSpPr>
-        <p:spPr/>
-        <p:txBody>
-          <a:bodyPr/>
-          <a:lstStyle/>
-          <a:p>
-            <a:r>
-              <a:rPr lang="en-CA" b="1" dirty="0"/>
-              <a:t>Model Goodness of Fit</a:t>
-            </a:r>
-          </a:p>
-        </p:txBody>
-      </p:sp>
-      <mc:AlternateContent xmlns:mc="http://schemas.openxmlformats.org/markup-compatibility/2006">
-        <mc:Choice xmlns:a14="http://schemas.microsoft.com/office/drawing/2010/main" Requires="a14">
+      <mc:AlternateContent xmlns:mc="http://schemas.openxmlformats.org/markup-compatibility/2006" xmlns:a14="http://schemas.microsoft.com/office/drawing/2010/main">
+        <mc:Choice Requires="a14">
           <p:sp>
             <p:nvSpPr>
               <p:cNvPr id="3" name="Content Placeholder 2"/>
@@ -8047,6 +7036,10 @@
                     </m:oMath>
                   </m:oMathPara>
                 </a14:m>
+                <a:r>
+                  <a:rPr lang="en-US" sz="2200" dirty="0"/>
+                  <a:t/>
+                </a:r>
                 <a:br>
                   <a:rPr lang="en-US" sz="2200" dirty="0"/>
                 </a:br>
@@ -8058,7 +7051,7 @@
             </p:txBody>
           </p:sp>
         </mc:Choice>
-        <mc:Fallback>
+        <mc:Fallback xmlns="">
           <p:sp>
             <p:nvSpPr>
               <p:cNvPr id="3" name="Content Placeholder 2"/>
@@ -8106,6 +7099,656 @@
   <p:clrMapOvr>
     <a:masterClrMapping/>
   </p:clrMapOvr>
+</p:sld>
+</file>
+
+<file path=ppt/slides/slide8.xml><?xml version="1.0" encoding="utf-8"?>
+<p:sld xmlns:a="http://schemas.openxmlformats.org/drawingml/2006/main" xmlns:r="http://schemas.openxmlformats.org/officeDocument/2006/relationships" xmlns:p="http://schemas.openxmlformats.org/presentationml/2006/main">
+  <p:cSld>
+    <p:spTree>
+      <p:nvGrpSpPr>
+        <p:cNvPr id="1" name=""/>
+        <p:cNvGrpSpPr/>
+        <p:nvPr/>
+      </p:nvGrpSpPr>
+      <p:grpSpPr>
+        <a:xfrm>
+          <a:off x="0" y="0"/>
+          <a:ext cx="0" cy="0"/>
+          <a:chOff x="0" y="0"/>
+          <a:chExt cx="0" cy="0"/>
+        </a:xfrm>
+      </p:grpSpPr>
+      <p:sp>
+        <p:nvSpPr>
+          <p:cNvPr id="2" name="Title 1"/>
+          <p:cNvSpPr>
+            <a:spLocks noGrp="1"/>
+          </p:cNvSpPr>
+          <p:nvPr>
+            <p:ph type="title"/>
+          </p:nvPr>
+        </p:nvSpPr>
+        <p:spPr>
+          <a:xfrm>
+            <a:off x="457200" y="908720"/>
+            <a:ext cx="8229600" cy="1143000"/>
+          </a:xfrm>
+        </p:spPr>
+        <p:txBody>
+          <a:bodyPr>
+            <a:normAutofit fontScale="90000"/>
+          </a:bodyPr>
+          <a:lstStyle/>
+          <a:p>
+            <a:r>
+              <a:rPr lang="en-CA" b="1" dirty="0"/>
+              <a:t>Logistic Regression + </a:t>
+            </a:r>
+            <a:br>
+              <a:rPr lang="en-CA" b="1" dirty="0"/>
+            </a:br>
+            <a:r>
+              <a:rPr lang="en-CA" b="1" dirty="0"/>
+              <a:t>Predictive Habitat Map Example</a:t>
+            </a:r>
+          </a:p>
+        </p:txBody>
+      </p:sp>
+      <p:sp>
+        <p:nvSpPr>
+          <p:cNvPr id="3" name="Content Placeholder 2"/>
+          <p:cNvSpPr>
+            <a:spLocks noGrp="1"/>
+          </p:cNvSpPr>
+          <p:nvPr>
+            <p:ph idx="1"/>
+          </p:nvPr>
+        </p:nvSpPr>
+        <p:spPr>
+          <a:xfrm>
+            <a:off x="457200" y="2132856"/>
+            <a:ext cx="8229600" cy="4525963"/>
+          </a:xfrm>
+        </p:spPr>
+        <p:txBody>
+          <a:bodyPr>
+            <a:normAutofit fontScale="77500" lnSpcReduction="20000"/>
+          </a:bodyPr>
+          <a:lstStyle/>
+          <a:p>
+            <a:r>
+              <a:rPr lang="en-US" dirty="0"/>
+              <a:t>For many problems, the y variable is a </a:t>
+            </a:r>
+            <a:r>
+              <a:rPr lang="en-US" dirty="0" err="1"/>
+              <a:t>Bernouilli</a:t>
+            </a:r>
+            <a:r>
+              <a:rPr lang="en-US" dirty="0"/>
+              <a:t> random variable (0/1):</a:t>
+            </a:r>
+            <a:endParaRPr lang="en-CA" dirty="0"/>
+          </a:p>
+          <a:p>
+            <a:pPr lvl="1"/>
+            <a:r>
+              <a:rPr lang="en-US" dirty="0"/>
+              <a:t>Detection versus non detection of an animal</a:t>
+            </a:r>
+          </a:p>
+          <a:p>
+            <a:pPr lvl="1"/>
+            <a:r>
+              <a:rPr lang="en-US" dirty="0"/>
+              <a:t>Healthy versus diseased animal</a:t>
+            </a:r>
+          </a:p>
+          <a:p>
+            <a:pPr lvl="1"/>
+            <a:r>
+              <a:rPr lang="en-US" dirty="0"/>
+              <a:t>Dead versus live trees</a:t>
+            </a:r>
+            <a:endParaRPr lang="en-CA" dirty="0"/>
+          </a:p>
+          <a:p>
+            <a:pPr lvl="1"/>
+            <a:endParaRPr lang="en-CA" dirty="0"/>
+          </a:p>
+          <a:p>
+            <a:r>
+              <a:rPr lang="en-US" dirty="0"/>
+              <a:t>Can be summarized into a Binomial Distribution which gives the proportion of successes (</a:t>
+            </a:r>
+            <a:r>
+              <a:rPr lang="en-US" i="1" dirty="0"/>
+              <a:t>p</a:t>
+            </a:r>
+            <a:r>
+              <a:rPr lang="en-US" dirty="0"/>
+              <a:t>) versus failure (</a:t>
+            </a:r>
+            <a:r>
+              <a:rPr lang="en-US" i="1" dirty="0"/>
+              <a:t>q</a:t>
+            </a:r>
+            <a:r>
+              <a:rPr lang="en-US" dirty="0"/>
+              <a:t>=1-</a:t>
+            </a:r>
+            <a:r>
+              <a:rPr lang="en-US" i="1" dirty="0"/>
+              <a:t>p</a:t>
+            </a:r>
+            <a:r>
+              <a:rPr lang="en-US" dirty="0"/>
+              <a:t>).  </a:t>
+            </a:r>
+            <a:endParaRPr lang="en-CA" dirty="0"/>
+          </a:p>
+          <a:p>
+            <a:pPr marL="0" indent="0">
+              <a:buNone/>
+            </a:pPr>
+            <a:endParaRPr lang="en-CA" dirty="0"/>
+          </a:p>
+          <a:p>
+            <a:r>
+              <a:rPr lang="en-US" dirty="0"/>
+              <a:t>We then wish to use a model to predict this </a:t>
+            </a:r>
+            <a:r>
+              <a:rPr lang="en-US" i="1" dirty="0"/>
+              <a:t>y</a:t>
+            </a:r>
+            <a:r>
+              <a:rPr lang="en-US" dirty="0"/>
+              <a:t> variable, given a set of explanatory variables, </a:t>
+            </a:r>
+            <a:r>
+              <a:rPr lang="en-US" i="1" dirty="0"/>
+              <a:t>x</a:t>
+            </a:r>
+            <a:r>
+              <a:rPr lang="en-US" dirty="0"/>
+              <a:t>, which can be continuous variables, class variables represented by a set of dummy variables, and interactions between continuous and class variables. </a:t>
+            </a:r>
+            <a:endParaRPr lang="en-CA" dirty="0"/>
+          </a:p>
+          <a:p>
+            <a:pPr marL="0" indent="0">
+              <a:buNone/>
+            </a:pPr>
+            <a:r>
+              <a:rPr lang="en-US" dirty="0"/>
+              <a:t> </a:t>
+            </a:r>
+            <a:endParaRPr lang="en-CA" dirty="0"/>
+          </a:p>
+          <a:p>
+            <a:r>
+              <a:rPr lang="en-US" dirty="0"/>
+              <a:t>The predicted values from this model will be the probability that</a:t>
+            </a:r>
+            <a:r>
+              <a:rPr lang="en-US" i="1" dirty="0"/>
+              <a:t> y</a:t>
+            </a:r>
+            <a:r>
+              <a:rPr lang="en-US" dirty="0"/>
+              <a:t>=1.  </a:t>
+            </a:r>
+            <a:endParaRPr lang="en-CA" dirty="0"/>
+          </a:p>
+          <a:p>
+            <a:endParaRPr lang="en-CA" dirty="0"/>
+          </a:p>
+        </p:txBody>
+      </p:sp>
+    </p:spTree>
+    <p:extLst>
+      <p:ext uri="{BB962C8B-B14F-4D97-AF65-F5344CB8AC3E}">
+        <p14:creationId xmlns:p14="http://schemas.microsoft.com/office/powerpoint/2010/main" val="221231703"/>
+      </p:ext>
+    </p:extLst>
+  </p:cSld>
+  <p:clrMapOvr>
+    <a:masterClrMapping/>
+  </p:clrMapOvr>
+</p:sld>
+</file>
+
+<file path=ppt/slides/slide9.xml><?xml version="1.0" encoding="utf-8"?>
+<p:sld xmlns:a="http://schemas.openxmlformats.org/drawingml/2006/main" xmlns:r="http://schemas.openxmlformats.org/officeDocument/2006/relationships" xmlns:p="http://schemas.openxmlformats.org/presentationml/2006/main">
+  <p:cSld>
+    <p:spTree>
+      <p:nvGrpSpPr>
+        <p:cNvPr id="1" name=""/>
+        <p:cNvGrpSpPr/>
+        <p:nvPr/>
+      </p:nvGrpSpPr>
+      <p:grpSpPr>
+        <a:xfrm>
+          <a:off x="0" y="0"/>
+          <a:ext cx="0" cy="0"/>
+          <a:chOff x="0" y="0"/>
+          <a:chExt cx="0" cy="0"/>
+        </a:xfrm>
+      </p:grpSpPr>
+      <p:sp>
+        <p:nvSpPr>
+          <p:cNvPr id="2" name="Title 1"/>
+          <p:cNvSpPr>
+            <a:spLocks noGrp="1"/>
+          </p:cNvSpPr>
+          <p:nvPr>
+            <p:ph type="title"/>
+          </p:nvPr>
+        </p:nvSpPr>
+        <p:spPr>
+          <a:xfrm>
+            <a:off x="453634" y="414399"/>
+            <a:ext cx="8229600" cy="1143000"/>
+          </a:xfrm>
+        </p:spPr>
+        <p:txBody>
+          <a:bodyPr/>
+          <a:lstStyle/>
+          <a:p>
+            <a:r>
+              <a:rPr lang="en-CA" b="1" dirty="0"/>
+              <a:t>Logistic Regression (cont.)</a:t>
+            </a:r>
+          </a:p>
+        </p:txBody>
+      </p:sp>
+      <p:sp>
+        <p:nvSpPr>
+          <p:cNvPr id="3" name="Content Placeholder 2"/>
+          <p:cNvSpPr>
+            <a:spLocks noGrp="1"/>
+          </p:cNvSpPr>
+          <p:nvPr>
+            <p:ph idx="1"/>
+          </p:nvPr>
+        </p:nvSpPr>
+        <p:spPr>
+          <a:xfrm>
+            <a:off x="457200" y="1772816"/>
+            <a:ext cx="8229600" cy="4997152"/>
+          </a:xfrm>
+        </p:spPr>
+        <p:txBody>
+          <a:bodyPr>
+            <a:normAutofit/>
+          </a:bodyPr>
+          <a:lstStyle/>
+          <a:p>
+            <a:pPr marL="0" indent="0">
+              <a:buNone/>
+            </a:pPr>
+            <a:endParaRPr lang="en-US" sz="2200" dirty="0"/>
+          </a:p>
+          <a:p>
+            <a:pPr marL="0" indent="0">
+              <a:buNone/>
+            </a:pPr>
+            <a:endParaRPr lang="en-US" sz="2200" dirty="0"/>
+          </a:p>
+          <a:p>
+            <a:pPr marL="0" indent="0">
+              <a:buNone/>
+            </a:pPr>
+            <a:endParaRPr lang="en-US" sz="2200" dirty="0"/>
+          </a:p>
+          <a:p>
+            <a:pPr marL="0" indent="0">
+              <a:buNone/>
+            </a:pPr>
+            <a:endParaRPr lang="en-US" sz="2200" dirty="0"/>
+          </a:p>
+          <a:p>
+            <a:pPr marL="0" indent="0">
+              <a:buNone/>
+            </a:pPr>
+            <a:r>
+              <a:rPr lang="en-US" sz="2200" dirty="0"/>
+              <a:t>Using the logarithm of the odds ratio as a linear function of the </a:t>
+            </a:r>
+            <a:r>
+              <a:rPr lang="en-US" sz="2200" i="1" dirty="0"/>
+              <a:t>x</a:t>
+            </a:r>
+            <a:r>
+              <a:rPr lang="en-US" sz="2200" dirty="0"/>
+              <a:t> variables:</a:t>
+            </a:r>
+          </a:p>
+          <a:p>
+            <a:endParaRPr lang="en-US" sz="2200" dirty="0"/>
+          </a:p>
+          <a:p>
+            <a:endParaRPr lang="en-US" sz="2200" dirty="0"/>
+          </a:p>
+          <a:p>
+            <a:pPr marL="0" indent="0">
+              <a:buNone/>
+            </a:pPr>
+            <a:endParaRPr lang="en-US" sz="2200" dirty="0"/>
+          </a:p>
+          <a:p>
+            <a:pPr marL="0" indent="0">
+              <a:buNone/>
+            </a:pPr>
+            <a:endParaRPr lang="en-US" sz="2200" dirty="0"/>
+          </a:p>
+          <a:p>
+            <a:pPr marL="0" indent="0">
+              <a:buNone/>
+            </a:pPr>
+            <a:r>
+              <a:rPr lang="en-US" sz="2200" dirty="0"/>
+              <a:t>This is called a “logistic function”.  It is constrained to give predictions between 0 and 1, which are probabilities that </a:t>
+            </a:r>
+            <a:r>
+              <a:rPr lang="en-US" sz="2200" i="1" dirty="0"/>
+              <a:t>y</a:t>
+            </a:r>
+            <a:r>
+              <a:rPr lang="en-US" sz="2200" dirty="0"/>
+              <a:t>=1.</a:t>
+            </a:r>
+            <a:endParaRPr lang="en-CA" sz="2200" dirty="0"/>
+          </a:p>
+          <a:p>
+            <a:endParaRPr lang="en-CA" sz="2800" dirty="0"/>
+          </a:p>
+          <a:p>
+            <a:endParaRPr lang="en-CA" sz="2800" dirty="0"/>
+          </a:p>
+        </p:txBody>
+      </p:sp>
+      <p:graphicFrame>
+        <p:nvGraphicFramePr>
+          <p:cNvPr id="4" name="Object 3"/>
+          <p:cNvGraphicFramePr>
+            <a:graphicFrameLocks noChangeAspect="1"/>
+          </p:cNvGraphicFramePr>
+          <p:nvPr>
+            <p:extLst>
+              <p:ext uri="{D42A27DB-BD31-4B8C-83A1-F6EECF244321}">
+                <p14:modId xmlns:p14="http://schemas.microsoft.com/office/powerpoint/2010/main" val="639636233"/>
+              </p:ext>
+            </p:extLst>
+          </p:nvPr>
+        </p:nvGraphicFramePr>
+        <p:xfrm>
+          <a:off x="2267744" y="1513384"/>
+          <a:ext cx="5778218" cy="1816348"/>
+        </p:xfrm>
+        <a:graphic>
+          <a:graphicData uri="http://schemas.openxmlformats.org/presentationml/2006/ole">
+            <mc:AlternateContent xmlns:mc="http://schemas.openxmlformats.org/markup-compatibility/2006">
+              <mc:Choice xmlns:v="urn:schemas-microsoft-com:vml" Requires="v">
+                <p:oleObj spid="_x0000_s3406" name="Equation" r:id="rId3" imgW="3632040" imgH="1143000" progId="Equation.3">
+                  <p:embed/>
+                </p:oleObj>
+              </mc:Choice>
+              <mc:Fallback>
+                <p:oleObj name="Equation" r:id="rId3" imgW="3632040" imgH="1143000" progId="Equation.3">
+                  <p:embed/>
+                  <p:pic>
+                    <p:nvPicPr>
+                      <p:cNvPr id="0" name=""/>
+                      <p:cNvPicPr/>
+                      <p:nvPr/>
+                    </p:nvPicPr>
+                    <p:blipFill>
+                      <a:blip r:embed="rId4"/>
+                      <a:stretch>
+                        <a:fillRect/>
+                      </a:stretch>
+                    </p:blipFill>
+                    <p:spPr>
+                      <a:xfrm>
+                        <a:off x="2267744" y="1513384"/>
+                        <a:ext cx="5778218" cy="1816348"/>
+                      </a:xfrm>
+                      <a:prstGeom prst="rect">
+                        <a:avLst/>
+                      </a:prstGeom>
+                    </p:spPr>
+                  </p:pic>
+                </p:oleObj>
+              </mc:Fallback>
+            </mc:AlternateContent>
+          </a:graphicData>
+        </a:graphic>
+      </p:graphicFrame>
+      <p:graphicFrame>
+        <p:nvGraphicFramePr>
+          <p:cNvPr id="5" name="Object 4"/>
+          <p:cNvGraphicFramePr>
+            <a:graphicFrameLocks noChangeAspect="1"/>
+          </p:cNvGraphicFramePr>
+          <p:nvPr>
+            <p:extLst>
+              <p:ext uri="{D42A27DB-BD31-4B8C-83A1-F6EECF244321}">
+                <p14:modId xmlns:p14="http://schemas.microsoft.com/office/powerpoint/2010/main" val="3783529360"/>
+              </p:ext>
+            </p:extLst>
+          </p:nvPr>
+        </p:nvGraphicFramePr>
+        <p:xfrm>
+          <a:off x="2123728" y="3933056"/>
+          <a:ext cx="4471659" cy="1696739"/>
+        </p:xfrm>
+        <a:graphic>
+          <a:graphicData uri="http://schemas.openxmlformats.org/presentationml/2006/ole">
+            <mc:AlternateContent xmlns:mc="http://schemas.openxmlformats.org/markup-compatibility/2006">
+              <mc:Choice xmlns:v="urn:schemas-microsoft-com:vml" Requires="v">
+                <p:oleObj spid="_x0000_s3407" name="Equation" r:id="rId5" imgW="2743200" imgH="1041120" progId="Equation.3">
+                  <p:embed/>
+                </p:oleObj>
+              </mc:Choice>
+              <mc:Fallback>
+                <p:oleObj name="Equation" r:id="rId5" imgW="2743200" imgH="1041120" progId="Equation.3">
+                  <p:embed/>
+                  <p:pic>
+                    <p:nvPicPr>
+                      <p:cNvPr id="0" name=""/>
+                      <p:cNvPicPr/>
+                      <p:nvPr/>
+                    </p:nvPicPr>
+                    <p:blipFill>
+                      <a:blip r:embed="rId6"/>
+                      <a:stretch>
+                        <a:fillRect/>
+                      </a:stretch>
+                    </p:blipFill>
+                    <p:spPr>
+                      <a:xfrm>
+                        <a:off x="2123728" y="3933056"/>
+                        <a:ext cx="4471659" cy="1696739"/>
+                      </a:xfrm>
+                      <a:prstGeom prst="rect">
+                        <a:avLst/>
+                      </a:prstGeom>
+                    </p:spPr>
+                  </p:pic>
+                </p:oleObj>
+              </mc:Fallback>
+            </mc:AlternateContent>
+          </a:graphicData>
+        </a:graphic>
+      </p:graphicFrame>
+    </p:spTree>
+    <p:extLst>
+      <p:ext uri="{BB962C8B-B14F-4D97-AF65-F5344CB8AC3E}">
+        <p14:creationId xmlns:p14="http://schemas.microsoft.com/office/powerpoint/2010/main" val="3374735035"/>
+      </p:ext>
+    </p:extLst>
+  </p:cSld>
+  <p:clrMapOvr>
+    <a:masterClrMapping/>
+  </p:clrMapOvr>
+  <p:timing>
+    <p:tnLst>
+      <p:par>
+        <p:cTn id="1" dur="indefinite" restart="never" nodeType="tmRoot">
+          <p:childTnLst>
+            <p:seq concurrent="1" nextAc="seek">
+              <p:cTn id="2" dur="indefinite" nodeType="mainSeq">
+                <p:childTnLst>
+                  <p:par>
+                    <p:cTn id="3" fill="hold">
+                      <p:stCondLst>
+                        <p:cond delay="indefinite"/>
+                      </p:stCondLst>
+                      <p:childTnLst>
+                        <p:par>
+                          <p:cTn id="4" fill="hold">
+                            <p:stCondLst>
+                              <p:cond delay="0"/>
+                            </p:stCondLst>
+                            <p:childTnLst>
+                              <p:par>
+                                <p:cTn id="5" presetID="1" presetClass="entr" presetSubtype="0" fill="hold" nodeType="clickEffect">
+                                  <p:stCondLst>
+                                    <p:cond delay="0"/>
+                                  </p:stCondLst>
+                                  <p:childTnLst>
+                                    <p:set>
+                                      <p:cBhvr>
+                                        <p:cTn id="6" dur="1" fill="hold">
+                                          <p:stCondLst>
+                                            <p:cond delay="0"/>
+                                          </p:stCondLst>
+                                        </p:cTn>
+                                        <p:tgtEl>
+                                          <p:spTgt spid="3">
+                                            <p:txEl>
+                                              <p:pRg st="4" end="4"/>
+                                            </p:txEl>
+                                          </p:spTgt>
+                                        </p:tgtEl>
+                                        <p:attrNameLst>
+                                          <p:attrName>style.visibility</p:attrName>
+                                        </p:attrNameLst>
+                                      </p:cBhvr>
+                                      <p:to>
+                                        <p:strVal val="visible"/>
+                                      </p:to>
+                                    </p:set>
+                                  </p:childTnLst>
+                                </p:cTn>
+                              </p:par>
+                              <p:par>
+                                <p:cTn id="7" presetID="1" presetClass="entr" presetSubtype="0" fill="hold" nodeType="withEffect">
+                                  <p:stCondLst>
+                                    <p:cond delay="0"/>
+                                  </p:stCondLst>
+                                  <p:childTnLst>
+                                    <p:set>
+                                      <p:cBhvr>
+                                        <p:cTn id="8" dur="1" fill="hold">
+                                          <p:stCondLst>
+                                            <p:cond delay="0"/>
+                                          </p:stCondLst>
+                                        </p:cTn>
+                                        <p:tgtEl>
+                                          <p:spTgt spid="5"/>
+                                        </p:tgtEl>
+                                        <p:attrNameLst>
+                                          <p:attrName>style.visibility</p:attrName>
+                                        </p:attrNameLst>
+                                      </p:cBhvr>
+                                      <p:to>
+                                        <p:strVal val="visible"/>
+                                      </p:to>
+                                    </p:set>
+                                  </p:childTnLst>
+                                </p:cTn>
+                              </p:par>
+                            </p:childTnLst>
+                          </p:cTn>
+                        </p:par>
+                      </p:childTnLst>
+                    </p:cTn>
+                  </p:par>
+                  <p:par>
+                    <p:cTn id="9" fill="hold">
+                      <p:stCondLst>
+                        <p:cond delay="indefinite"/>
+                      </p:stCondLst>
+                      <p:childTnLst>
+                        <p:par>
+                          <p:cTn id="10" fill="hold">
+                            <p:stCondLst>
+                              <p:cond delay="0"/>
+                            </p:stCondLst>
+                            <p:childTnLst>
+                              <p:par>
+                                <p:cTn id="11" presetID="1" presetClass="entr" presetSubtype="0" fill="hold" nodeType="clickEffect">
+                                  <p:stCondLst>
+                                    <p:cond delay="0"/>
+                                  </p:stCondLst>
+                                  <p:childTnLst>
+                                    <p:set>
+                                      <p:cBhvr>
+                                        <p:cTn id="12" dur="1" fill="hold">
+                                          <p:stCondLst>
+                                            <p:cond delay="0"/>
+                                          </p:stCondLst>
+                                        </p:cTn>
+                                        <p:tgtEl>
+                                          <p:spTgt spid="3">
+                                            <p:txEl>
+                                              <p:pRg st="9" end="9"/>
+                                            </p:txEl>
+                                          </p:spTgt>
+                                        </p:tgtEl>
+                                        <p:attrNameLst>
+                                          <p:attrName>style.visibility</p:attrName>
+                                        </p:attrNameLst>
+                                      </p:cBhvr>
+                                      <p:to>
+                                        <p:strVal val="visible"/>
+                                      </p:to>
+                                    </p:set>
+                                  </p:childTnLst>
+                                </p:cTn>
+                              </p:par>
+                            </p:childTnLst>
+                          </p:cTn>
+                        </p:par>
+                      </p:childTnLst>
+                    </p:cTn>
+                  </p:par>
+                </p:childTnLst>
+              </p:cTn>
+              <p:prevCondLst>
+                <p:cond evt="onPrev" delay="0">
+                  <p:tgtEl>
+                    <p:sldTgt/>
+                  </p:tgtEl>
+                </p:cond>
+              </p:prevCondLst>
+              <p:nextCondLst>
+                <p:cond evt="onNext" delay="0">
+                  <p:tgtEl>
+                    <p:sldTgt/>
+                  </p:tgtEl>
+                </p:cond>
+              </p:nextCondLst>
+            </p:seq>
+          </p:childTnLst>
+        </p:cTn>
+      </p:par>
+    </p:tnLst>
+  </p:timing>
 </p:sld>
 </file>
 
